--- a/프로젝트 소개판넬/D조 봉담읍 온라인 마을안전지도.pptx
+++ b/프로젝트 소개판넬/D조 봉담읍 온라인 마을안전지도.pptx
@@ -6413,7 +6413,7 @@
         </p:nvSpPr>
         <p:spPr>
           <a:xfrm>
-            <a:off x="1516955" y="8592114"/>
+            <a:off x="1516954" y="8444184"/>
             <a:ext cx="9601200" cy="1436343"/>
           </a:xfrm>
           <a:prstGeom prst="rect">
@@ -6667,6 +6667,47 @@
               </a:rPr>
               <a:t>행정의 안전시설물 설치위치 선정을 위한 정보 제공</a:t>
             </a:r>
+            <a:endParaRPr lang="en-US" altLang="ko-KR" sz="2400" dirty="0">
+              <a:latin typeface="+mj-ea"/>
+              <a:ea typeface="+mj-ea"/>
+            </a:endParaRPr>
+          </a:p>
+          <a:p>
+            <a:pPr marL="342900" indent="-342900">
+              <a:buFont typeface="Arial" panose="020B0604020202020204" pitchFamily="34" charset="0"/>
+              <a:buChar char="•"/>
+            </a:pPr>
+            <a:r>
+              <a:rPr lang="ko-KR" altLang="en-US" sz="2400" dirty="0">
+                <a:latin typeface="+mj-ea"/>
+                <a:ea typeface="+mj-ea"/>
+              </a:rPr>
+              <a:t>무인 </a:t>
+            </a:r>
+            <a:r>
+              <a:rPr lang="ko-KR" altLang="en-US" sz="2400" dirty="0" err="1">
+                <a:latin typeface="+mj-ea"/>
+                <a:ea typeface="+mj-ea"/>
+              </a:rPr>
+              <a:t>택배함을</a:t>
+            </a:r>
+            <a:r>
+              <a:rPr lang="ko-KR" altLang="en-US" sz="2400" dirty="0">
+                <a:latin typeface="+mj-ea"/>
+                <a:ea typeface="+mj-ea"/>
+              </a:rPr>
+              <a:t> 통한 주민들의 택배 안심 수령</a:t>
+            </a:r>
+            <a:endParaRPr lang="en-US" altLang="ko-KR" sz="2400" dirty="0">
+              <a:latin typeface="+mj-ea"/>
+              <a:ea typeface="+mj-ea"/>
+            </a:endParaRPr>
+          </a:p>
+          <a:p>
+            <a:pPr marL="342900" indent="-342900">
+              <a:buFont typeface="Arial" panose="020B0604020202020204" pitchFamily="34" charset="0"/>
+              <a:buChar char="•"/>
+            </a:pPr>
             <a:endParaRPr lang="en-US" altLang="ko-KR" sz="2400" dirty="0">
               <a:latin typeface="+mj-ea"/>
               <a:ea typeface="+mj-ea"/>
@@ -7159,14 +7200,14 @@
                 <a:latin typeface="+mj-ea"/>
                 <a:ea typeface="+mj-ea"/>
               </a:rPr>
-              <a:t>~~~ </a:t>
+              <a:t>Tesseract OCR</a:t>
             </a:r>
             <a:r>
               <a:rPr lang="ko-KR" altLang="en-US" sz="2400" dirty="0">
                 <a:latin typeface="+mj-ea"/>
                 <a:ea typeface="+mj-ea"/>
               </a:rPr>
-              <a:t>라이브러리를 활용하였습니다</a:t>
+              <a:t>을 사용하였습니다</a:t>
             </a:r>
             <a:r>
               <a:rPr lang="en-US" altLang="ko-KR" sz="2400" dirty="0">

--- a/프로젝트 소개판넬/D조 봉담읍 온라인 마을안전지도.pptx
+++ b/프로젝트 소개판넬/D조 봉담읍 온라인 마을안전지도.pptx
@@ -2,12 +2,12 @@
 <file path=ppt/presentation.xml><?xml version="1.0" encoding="utf-8"?>
 <p:presentation xmlns:a="http://schemas.openxmlformats.org/drawingml/2006/main" xmlns:r="http://schemas.openxmlformats.org/officeDocument/2006/relationships" xmlns:p="http://schemas.openxmlformats.org/presentationml/2006/main" saveSubsetFonts="1">
   <p:sldMasterIdLst>
-    <p:sldMasterId id="2147483902" r:id="rId1"/>
+    <p:sldMasterId id="2147483919" r:id="rId1"/>
   </p:sldMasterIdLst>
   <p:sldIdLst>
     <p:sldId id="257" r:id="rId2"/>
   </p:sldIdLst>
-  <p:sldSz cx="12801600" cy="17068800"/>
+  <p:sldSz cx="21599525" cy="32399288"/>
   <p:notesSz cx="6858000" cy="9144000"/>
   <p:defaultTextStyle>
     <a:defPPr>
@@ -137,8 +137,8 @@
         </p:nvGrpSpPr>
         <p:grpSpPr>
           <a:xfrm>
-            <a:off x="-11852" y="-21075"/>
-            <a:ext cx="12839842" cy="17110949"/>
+            <a:off x="-19998" y="-40003"/>
+            <a:ext cx="21664050" cy="32479294"/>
             <a:chOff x="-8466" y="-8468"/>
             <a:chExt cx="9171316" cy="6874935"/>
           </a:xfrm>
@@ -744,8 +744,8 @@
         </p:nvSpPr>
         <p:spPr>
           <a:xfrm>
-            <a:off x="1582834" y="5984618"/>
-            <a:ext cx="8157407" cy="4097463"/>
+            <a:off x="2670640" y="11359753"/>
+            <a:ext cx="13763600" cy="7777634"/>
           </a:xfrm>
         </p:spPr>
         <p:txBody>
@@ -754,7 +754,7 @@
           </a:bodyPr>
           <a:lstStyle>
             <a:lvl1pPr algn="r">
-              <a:defRPr sz="7560">
+              <a:defRPr sz="12756">
                 <a:solidFill>
                   <a:schemeClr val="accent1"/>
                 </a:solidFill>
@@ -782,8 +782,8 @@
         </p:nvSpPr>
         <p:spPr>
           <a:xfrm>
-            <a:off x="1582834" y="10082077"/>
-            <a:ext cx="8157407" cy="2730060"/>
+            <a:off x="2670640" y="19137380"/>
+            <a:ext cx="13763600" cy="5182086"/>
           </a:xfrm>
         </p:spPr>
         <p:txBody>
@@ -800,7 +800,7 @@
                 </a:solidFill>
               </a:defRPr>
             </a:lvl1pPr>
-            <a:lvl2pPr marL="640080" indent="0" algn="ctr">
+            <a:lvl2pPr marL="1079998" indent="0" algn="ctr">
               <a:buNone/>
               <a:defRPr>
                 <a:solidFill>
@@ -810,7 +810,7 @@
                 </a:solidFill>
               </a:defRPr>
             </a:lvl2pPr>
-            <a:lvl3pPr marL="1280160" indent="0" algn="ctr">
+            <a:lvl3pPr marL="2159996" indent="0" algn="ctr">
               <a:buNone/>
               <a:defRPr>
                 <a:solidFill>
@@ -820,7 +820,7 @@
                 </a:solidFill>
               </a:defRPr>
             </a:lvl3pPr>
-            <a:lvl4pPr marL="1920240" indent="0" algn="ctr">
+            <a:lvl4pPr marL="3239994" indent="0" algn="ctr">
               <a:buNone/>
               <a:defRPr>
                 <a:solidFill>
@@ -830,7 +830,7 @@
                 </a:solidFill>
               </a:defRPr>
             </a:lvl4pPr>
-            <a:lvl5pPr marL="2560320" indent="0" algn="ctr">
+            <a:lvl5pPr marL="4319991" indent="0" algn="ctr">
               <a:buNone/>
               <a:defRPr>
                 <a:solidFill>
@@ -840,7 +840,7 @@
                 </a:solidFill>
               </a:defRPr>
             </a:lvl5pPr>
-            <a:lvl6pPr marL="3200400" indent="0" algn="ctr">
+            <a:lvl6pPr marL="5399989" indent="0" algn="ctr">
               <a:buNone/>
               <a:defRPr>
                 <a:solidFill>
@@ -850,7 +850,7 @@
                 </a:solidFill>
               </a:defRPr>
             </a:lvl6pPr>
-            <a:lvl7pPr marL="3840480" indent="0" algn="ctr">
+            <a:lvl7pPr marL="6479987" indent="0" algn="ctr">
               <a:buNone/>
               <a:defRPr>
                 <a:solidFill>
@@ -860,7 +860,7 @@
                 </a:solidFill>
               </a:defRPr>
             </a:lvl7pPr>
-            <a:lvl8pPr marL="4480560" indent="0" algn="ctr">
+            <a:lvl8pPr marL="7559985" indent="0" algn="ctr">
               <a:buNone/>
               <a:defRPr>
                 <a:solidFill>
@@ -870,7 +870,7 @@
                 </a:solidFill>
               </a:defRPr>
             </a:lvl8pPr>
-            <a:lvl9pPr marL="5120640" indent="0" algn="ctr">
+            <a:lvl9pPr marL="8639983" indent="0" algn="ctr">
               <a:buNone/>
               <a:defRPr>
                 <a:solidFill>
@@ -907,7 +907,7 @@
           <a:p>
             <a:fld id="{4A507BA2-D0CB-42E5-99F8-5739067202B7}" type="datetimeFigureOut">
               <a:rPr lang="ko-KR" altLang="en-US" smtClean="0"/>
-              <a:t>2024-11-08</a:t>
+              <a:t>2024-11-09</a:t>
             </a:fld>
             <a:endParaRPr lang="ko-KR" altLang="en-US"/>
           </a:p>
@@ -958,7 +958,7 @@
     </p:spTree>
     <p:extLst>
       <p:ext uri="{BB962C8B-B14F-4D97-AF65-F5344CB8AC3E}">
-        <p14:creationId xmlns:p14="http://schemas.microsoft.com/office/powerpoint/2010/main" val="2789747324"/>
+        <p14:creationId xmlns:p14="http://schemas.microsoft.com/office/powerpoint/2010/main" val="3427489416"/>
       </p:ext>
     </p:extLst>
   </p:cSld>
@@ -997,8 +997,8 @@
         </p:nvSpPr>
         <p:spPr>
           <a:xfrm>
-            <a:off x="853440" y="1517227"/>
-            <a:ext cx="8886800" cy="8471182"/>
+            <a:off x="1439968" y="2879937"/>
+            <a:ext cx="14994270" cy="16079647"/>
           </a:xfrm>
         </p:spPr>
         <p:txBody>
@@ -1007,7 +1007,7 @@
           </a:bodyPr>
           <a:lstStyle>
             <a:lvl1pPr algn="l">
-              <a:defRPr sz="6160" b="0" cap="none"/>
+              <a:defRPr sz="10394" b="0" cap="none"/>
             </a:lvl1pPr>
           </a:lstStyle>
           <a:p>
@@ -1031,8 +1031,8 @@
         </p:nvSpPr>
         <p:spPr>
           <a:xfrm>
-            <a:off x="853440" y="11126329"/>
-            <a:ext cx="8886800" cy="3909950"/>
+            <a:off x="1439968" y="21119536"/>
+            <a:ext cx="14994270" cy="7421705"/>
           </a:xfrm>
         </p:spPr>
         <p:txBody>
@@ -1042,7 +1042,7 @@
           <a:lstStyle>
             <a:lvl1pPr marL="0" indent="0" algn="l">
               <a:buNone/>
-              <a:defRPr sz="2520">
+              <a:defRPr sz="4252">
                 <a:solidFill>
                   <a:schemeClr val="tx1">
                     <a:lumMod val="75000"/>
@@ -1051,9 +1051,9 @@
                 </a:solidFill>
               </a:defRPr>
             </a:lvl1pPr>
-            <a:lvl2pPr marL="640080" indent="0">
-              <a:buNone/>
-              <a:defRPr sz="2520">
+            <a:lvl2pPr marL="1079998" indent="0">
+              <a:buNone/>
+              <a:defRPr sz="4252">
                 <a:solidFill>
                   <a:schemeClr val="tx1">
                     <a:tint val="75000"/>
@@ -1061,9 +1061,9 @@
                 </a:solidFill>
               </a:defRPr>
             </a:lvl2pPr>
-            <a:lvl3pPr marL="1280160" indent="0">
-              <a:buNone/>
-              <a:defRPr sz="2240">
+            <a:lvl3pPr marL="2159996" indent="0">
+              <a:buNone/>
+              <a:defRPr sz="3780">
                 <a:solidFill>
                   <a:schemeClr val="tx1">
                     <a:tint val="75000"/>
@@ -1071,9 +1071,9 @@
                 </a:solidFill>
               </a:defRPr>
             </a:lvl3pPr>
-            <a:lvl4pPr marL="1920240" indent="0">
-              <a:buNone/>
-              <a:defRPr sz="1960">
+            <a:lvl4pPr marL="3239994" indent="0">
+              <a:buNone/>
+              <a:defRPr sz="3307">
                 <a:solidFill>
                   <a:schemeClr val="tx1">
                     <a:tint val="75000"/>
@@ -1081,9 +1081,9 @@
                 </a:solidFill>
               </a:defRPr>
             </a:lvl4pPr>
-            <a:lvl5pPr marL="2560320" indent="0">
-              <a:buNone/>
-              <a:defRPr sz="1960">
+            <a:lvl5pPr marL="4319991" indent="0">
+              <a:buNone/>
+              <a:defRPr sz="3307">
                 <a:solidFill>
                   <a:schemeClr val="tx1">
                     <a:tint val="75000"/>
@@ -1091,9 +1091,9 @@
                 </a:solidFill>
               </a:defRPr>
             </a:lvl5pPr>
-            <a:lvl6pPr marL="3200400" indent="0">
-              <a:buNone/>
-              <a:defRPr sz="1960">
+            <a:lvl6pPr marL="5399989" indent="0">
+              <a:buNone/>
+              <a:defRPr sz="3307">
                 <a:solidFill>
                   <a:schemeClr val="tx1">
                     <a:tint val="75000"/>
@@ -1101,9 +1101,9 @@
                 </a:solidFill>
               </a:defRPr>
             </a:lvl6pPr>
-            <a:lvl7pPr marL="3840480" indent="0">
-              <a:buNone/>
-              <a:defRPr sz="1960">
+            <a:lvl7pPr marL="6479987" indent="0">
+              <a:buNone/>
+              <a:defRPr sz="3307">
                 <a:solidFill>
                   <a:schemeClr val="tx1">
                     <a:tint val="75000"/>
@@ -1111,9 +1111,9 @@
                 </a:solidFill>
               </a:defRPr>
             </a:lvl7pPr>
-            <a:lvl8pPr marL="4480560" indent="0">
-              <a:buNone/>
-              <a:defRPr sz="1960">
+            <a:lvl8pPr marL="7559985" indent="0">
+              <a:buNone/>
+              <a:defRPr sz="3307">
                 <a:solidFill>
                   <a:schemeClr val="tx1">
                     <a:tint val="75000"/>
@@ -1121,9 +1121,9 @@
                 </a:solidFill>
               </a:defRPr>
             </a:lvl8pPr>
-            <a:lvl9pPr marL="5120640" indent="0">
-              <a:buNone/>
-              <a:defRPr sz="1960">
+            <a:lvl9pPr marL="8639983" indent="0">
+              <a:buNone/>
+              <a:defRPr sz="3307">
                 <a:solidFill>
                   <a:schemeClr val="tx1">
                     <a:tint val="75000"/>
@@ -1158,7 +1158,7 @@
           <a:p>
             <a:fld id="{4A507BA2-D0CB-42E5-99F8-5739067202B7}" type="datetimeFigureOut">
               <a:rPr lang="ko-KR" altLang="en-US" smtClean="0"/>
-              <a:t>2024-11-08</a:t>
+              <a:t>2024-11-09</a:t>
             </a:fld>
             <a:endParaRPr lang="ko-KR" altLang="en-US"/>
           </a:p>
@@ -1209,7 +1209,7 @@
     </p:spTree>
     <p:extLst>
       <p:ext uri="{BB962C8B-B14F-4D97-AF65-F5344CB8AC3E}">
-        <p14:creationId xmlns:p14="http://schemas.microsoft.com/office/powerpoint/2010/main" val="236470342"/>
+        <p14:creationId xmlns:p14="http://schemas.microsoft.com/office/powerpoint/2010/main" val="985099224"/>
       </p:ext>
     </p:extLst>
   </p:cSld>
@@ -1248,8 +1248,8 @@
         </p:nvSpPr>
         <p:spPr>
           <a:xfrm>
-            <a:off x="1084839" y="1517226"/>
-            <a:ext cx="8501055" cy="7522916"/>
+            <a:off x="1830397" y="2879937"/>
+            <a:ext cx="14343422" cy="14279686"/>
           </a:xfrm>
         </p:spPr>
         <p:txBody>
@@ -1258,7 +1258,7 @@
           </a:bodyPr>
           <a:lstStyle>
             <a:lvl1pPr algn="l">
-              <a:defRPr sz="6160" b="0" cap="none"/>
+              <a:defRPr sz="10394" b="0" cap="none"/>
             </a:lvl1pPr>
           </a:lstStyle>
           <a:p>
@@ -1282,8 +1282,8 @@
         </p:nvSpPr>
         <p:spPr>
           <a:xfrm>
-            <a:off x="1541503" y="9040142"/>
-            <a:ext cx="7587726" cy="948267"/>
+            <a:off x="2600905" y="17159623"/>
+            <a:ext cx="12802405" cy="1799960"/>
           </a:xfrm>
         </p:spPr>
         <p:txBody>
@@ -1294,7 +1294,7 @@
             <a:lvl1pPr marL="0" indent="0">
               <a:buFontTx/>
               <a:buNone/>
-              <a:defRPr sz="2240">
+              <a:defRPr sz="3780">
                 <a:solidFill>
                   <a:schemeClr val="tx1">
                     <a:lumMod val="50000"/>
@@ -1303,22 +1303,22 @@
                 </a:solidFill>
               </a:defRPr>
             </a:lvl1pPr>
-            <a:lvl2pPr marL="640080" indent="0">
+            <a:lvl2pPr marL="1079998" indent="0">
               <a:buFontTx/>
               <a:buNone/>
               <a:defRPr/>
             </a:lvl2pPr>
-            <a:lvl3pPr marL="1280160" indent="0">
+            <a:lvl3pPr marL="2159996" indent="0">
               <a:buFontTx/>
               <a:buNone/>
               <a:defRPr/>
             </a:lvl3pPr>
-            <a:lvl4pPr marL="1920240" indent="0">
+            <a:lvl4pPr marL="3239994" indent="0">
               <a:buFontTx/>
               <a:buNone/>
               <a:defRPr/>
             </a:lvl4pPr>
-            <a:lvl5pPr marL="2560320" indent="0">
+            <a:lvl5pPr marL="4319991" indent="0">
               <a:buFontTx/>
               <a:buNone/>
               <a:defRPr/>
@@ -1345,8 +1345,8 @@
         </p:nvSpPr>
         <p:spPr>
           <a:xfrm>
-            <a:off x="853438" y="11126329"/>
-            <a:ext cx="8886801" cy="3909950"/>
+            <a:off x="1439965" y="21119536"/>
+            <a:ext cx="14994273" cy="7421705"/>
           </a:xfrm>
         </p:spPr>
         <p:txBody>
@@ -1356,7 +1356,7 @@
           <a:lstStyle>
             <a:lvl1pPr marL="0" indent="0" algn="l">
               <a:buNone/>
-              <a:defRPr sz="2520">
+              <a:defRPr sz="4252">
                 <a:solidFill>
                   <a:schemeClr val="tx1">
                     <a:lumMod val="75000"/>
@@ -1365,9 +1365,9 @@
                 </a:solidFill>
               </a:defRPr>
             </a:lvl1pPr>
-            <a:lvl2pPr marL="640080" indent="0">
-              <a:buNone/>
-              <a:defRPr sz="2520">
+            <a:lvl2pPr marL="1079998" indent="0">
+              <a:buNone/>
+              <a:defRPr sz="4252">
                 <a:solidFill>
                   <a:schemeClr val="tx1">
                     <a:tint val="75000"/>
@@ -1375,9 +1375,9 @@
                 </a:solidFill>
               </a:defRPr>
             </a:lvl2pPr>
-            <a:lvl3pPr marL="1280160" indent="0">
-              <a:buNone/>
-              <a:defRPr sz="2240">
+            <a:lvl3pPr marL="2159996" indent="0">
+              <a:buNone/>
+              <a:defRPr sz="3780">
                 <a:solidFill>
                   <a:schemeClr val="tx1">
                     <a:tint val="75000"/>
@@ -1385,9 +1385,9 @@
                 </a:solidFill>
               </a:defRPr>
             </a:lvl3pPr>
-            <a:lvl4pPr marL="1920240" indent="0">
-              <a:buNone/>
-              <a:defRPr sz="1960">
+            <a:lvl4pPr marL="3239994" indent="0">
+              <a:buNone/>
+              <a:defRPr sz="3307">
                 <a:solidFill>
                   <a:schemeClr val="tx1">
                     <a:tint val="75000"/>
@@ -1395,9 +1395,9 @@
                 </a:solidFill>
               </a:defRPr>
             </a:lvl4pPr>
-            <a:lvl5pPr marL="2560320" indent="0">
-              <a:buNone/>
-              <a:defRPr sz="1960">
+            <a:lvl5pPr marL="4319991" indent="0">
+              <a:buNone/>
+              <a:defRPr sz="3307">
                 <a:solidFill>
                   <a:schemeClr val="tx1">
                     <a:tint val="75000"/>
@@ -1405,9 +1405,9 @@
                 </a:solidFill>
               </a:defRPr>
             </a:lvl5pPr>
-            <a:lvl6pPr marL="3200400" indent="0">
-              <a:buNone/>
-              <a:defRPr sz="1960">
+            <a:lvl6pPr marL="5399989" indent="0">
+              <a:buNone/>
+              <a:defRPr sz="3307">
                 <a:solidFill>
                   <a:schemeClr val="tx1">
                     <a:tint val="75000"/>
@@ -1415,9 +1415,9 @@
                 </a:solidFill>
               </a:defRPr>
             </a:lvl6pPr>
-            <a:lvl7pPr marL="3840480" indent="0">
-              <a:buNone/>
-              <a:defRPr sz="1960">
+            <a:lvl7pPr marL="6479987" indent="0">
+              <a:buNone/>
+              <a:defRPr sz="3307">
                 <a:solidFill>
                   <a:schemeClr val="tx1">
                     <a:tint val="75000"/>
@@ -1425,9 +1425,9 @@
                 </a:solidFill>
               </a:defRPr>
             </a:lvl7pPr>
-            <a:lvl8pPr marL="4480560" indent="0">
-              <a:buNone/>
-              <a:defRPr sz="1960">
+            <a:lvl8pPr marL="7559985" indent="0">
+              <a:buNone/>
+              <a:defRPr sz="3307">
                 <a:solidFill>
                   <a:schemeClr val="tx1">
                     <a:tint val="75000"/>
@@ -1435,9 +1435,9 @@
                 </a:solidFill>
               </a:defRPr>
             </a:lvl8pPr>
-            <a:lvl9pPr marL="5120640" indent="0">
-              <a:buNone/>
-              <a:defRPr sz="1960">
+            <a:lvl9pPr marL="8639983" indent="0">
+              <a:buNone/>
+              <a:defRPr sz="3307">
                 <a:solidFill>
                   <a:schemeClr val="tx1">
                     <a:tint val="75000"/>
@@ -1472,7 +1472,7 @@
           <a:p>
             <a:fld id="{4A507BA2-D0CB-42E5-99F8-5739067202B7}" type="datetimeFigureOut">
               <a:rPr lang="ko-KR" altLang="en-US" smtClean="0"/>
-              <a:t>2024-11-08</a:t>
+              <a:t>2024-11-09</a:t>
             </a:fld>
             <a:endParaRPr lang="ko-KR" altLang="en-US"/>
           </a:p>
@@ -1528,22 +1528,22 @@
         </p:nvSpPr>
         <p:spPr>
           <a:xfrm>
-            <a:off x="675796" y="1967163"/>
-            <a:ext cx="640247" cy="1455442"/>
+            <a:off x="1140238" y="3733987"/>
+            <a:ext cx="1080257" cy="2762661"/>
           </a:xfrm>
           <a:prstGeom prst="rect">
             <a:avLst/>
           </a:prstGeom>
         </p:spPr>
         <p:txBody>
-          <a:bodyPr vert="horz" lIns="128016" tIns="64008" rIns="128016" bIns="64008" rtlCol="0" anchor="ctr">
+          <a:bodyPr vert="horz" lIns="215995" tIns="107998" rIns="215995" bIns="107998" rtlCol="0" anchor="ctr">
             <a:noAutofit/>
           </a:bodyPr>
           <a:lstStyle/>
           <a:p>
             <a:pPr lvl="0"/>
             <a:r>
-              <a:rPr lang="en-US" sz="11200" baseline="0" dirty="0">
+              <a:rPr lang="en-US" sz="18898" baseline="0" dirty="0">
                 <a:ln w="3175" cmpd="sng">
                   <a:noFill/>
                 </a:ln>
@@ -1569,22 +1569,22 @@
         </p:nvSpPr>
         <p:spPr>
           <a:xfrm>
-            <a:off x="9446779" y="7184317"/>
-            <a:ext cx="640247" cy="1455442"/>
+            <a:off x="15939097" y="13636973"/>
+            <a:ext cx="1080257" cy="2762661"/>
           </a:xfrm>
           <a:prstGeom prst="rect">
             <a:avLst/>
           </a:prstGeom>
         </p:spPr>
         <p:txBody>
-          <a:bodyPr vert="horz" lIns="128016" tIns="64008" rIns="128016" bIns="64008" rtlCol="0" anchor="ctr">
+          <a:bodyPr vert="horz" lIns="215995" tIns="107998" rIns="215995" bIns="107998" rtlCol="0" anchor="ctr">
             <a:noAutofit/>
           </a:bodyPr>
           <a:lstStyle/>
           <a:p>
             <a:pPr lvl="0"/>
             <a:r>
-              <a:rPr lang="en-US" sz="11200" baseline="0" dirty="0">
+              <a:rPr lang="en-US" sz="18898" baseline="0" dirty="0">
                 <a:ln w="3175" cmpd="sng">
                   <a:noFill/>
                 </a:ln>
@@ -1605,7 +1605,7 @@
     </p:spTree>
     <p:extLst>
       <p:ext uri="{BB962C8B-B14F-4D97-AF65-F5344CB8AC3E}">
-        <p14:creationId xmlns:p14="http://schemas.microsoft.com/office/powerpoint/2010/main" val="384132403"/>
+        <p14:creationId xmlns:p14="http://schemas.microsoft.com/office/powerpoint/2010/main" val="1841119671"/>
       </p:ext>
     </p:extLst>
   </p:cSld>
@@ -1644,8 +1644,8 @@
         </p:nvSpPr>
         <p:spPr>
           <a:xfrm>
-            <a:off x="853438" y="4808503"/>
-            <a:ext cx="8886801" cy="6459812"/>
+            <a:off x="1439965" y="9127302"/>
+            <a:ext cx="14994273" cy="12261746"/>
           </a:xfrm>
         </p:spPr>
         <p:txBody>
@@ -1654,7 +1654,7 @@
           </a:bodyPr>
           <a:lstStyle>
             <a:lvl1pPr algn="l">
-              <a:defRPr sz="6160" b="0" cap="none"/>
+              <a:defRPr sz="10394" b="0" cap="none"/>
             </a:lvl1pPr>
           </a:lstStyle>
           <a:p>
@@ -1678,8 +1678,8 @@
         </p:nvSpPr>
         <p:spPr>
           <a:xfrm>
-            <a:off x="853438" y="11268315"/>
-            <a:ext cx="8886801" cy="3767964"/>
+            <a:off x="1439965" y="21389048"/>
+            <a:ext cx="14994273" cy="7152192"/>
           </a:xfrm>
         </p:spPr>
         <p:txBody>
@@ -1689,7 +1689,7 @@
           <a:lstStyle>
             <a:lvl1pPr marL="0" indent="0" algn="l">
               <a:buNone/>
-              <a:defRPr sz="2520">
+              <a:defRPr sz="4252">
                 <a:solidFill>
                   <a:schemeClr val="tx1">
                     <a:lumMod val="75000"/>
@@ -1698,9 +1698,9 @@
                 </a:solidFill>
               </a:defRPr>
             </a:lvl1pPr>
-            <a:lvl2pPr marL="640080" indent="0">
-              <a:buNone/>
-              <a:defRPr sz="2520">
+            <a:lvl2pPr marL="1079998" indent="0">
+              <a:buNone/>
+              <a:defRPr sz="4252">
                 <a:solidFill>
                   <a:schemeClr val="tx1">
                     <a:tint val="75000"/>
@@ -1708,9 +1708,9 @@
                 </a:solidFill>
               </a:defRPr>
             </a:lvl2pPr>
-            <a:lvl3pPr marL="1280160" indent="0">
-              <a:buNone/>
-              <a:defRPr sz="2240">
+            <a:lvl3pPr marL="2159996" indent="0">
+              <a:buNone/>
+              <a:defRPr sz="3780">
                 <a:solidFill>
                   <a:schemeClr val="tx1">
                     <a:tint val="75000"/>
@@ -1718,9 +1718,9 @@
                 </a:solidFill>
               </a:defRPr>
             </a:lvl3pPr>
-            <a:lvl4pPr marL="1920240" indent="0">
-              <a:buNone/>
-              <a:defRPr sz="1960">
+            <a:lvl4pPr marL="3239994" indent="0">
+              <a:buNone/>
+              <a:defRPr sz="3307">
                 <a:solidFill>
                   <a:schemeClr val="tx1">
                     <a:tint val="75000"/>
@@ -1728,9 +1728,9 @@
                 </a:solidFill>
               </a:defRPr>
             </a:lvl4pPr>
-            <a:lvl5pPr marL="2560320" indent="0">
-              <a:buNone/>
-              <a:defRPr sz="1960">
+            <a:lvl5pPr marL="4319991" indent="0">
+              <a:buNone/>
+              <a:defRPr sz="3307">
                 <a:solidFill>
                   <a:schemeClr val="tx1">
                     <a:tint val="75000"/>
@@ -1738,9 +1738,9 @@
                 </a:solidFill>
               </a:defRPr>
             </a:lvl5pPr>
-            <a:lvl6pPr marL="3200400" indent="0">
-              <a:buNone/>
-              <a:defRPr sz="1960">
+            <a:lvl6pPr marL="5399989" indent="0">
+              <a:buNone/>
+              <a:defRPr sz="3307">
                 <a:solidFill>
                   <a:schemeClr val="tx1">
                     <a:tint val="75000"/>
@@ -1748,9 +1748,9 @@
                 </a:solidFill>
               </a:defRPr>
             </a:lvl6pPr>
-            <a:lvl7pPr marL="3840480" indent="0">
-              <a:buNone/>
-              <a:defRPr sz="1960">
+            <a:lvl7pPr marL="6479987" indent="0">
+              <a:buNone/>
+              <a:defRPr sz="3307">
                 <a:solidFill>
                   <a:schemeClr val="tx1">
                     <a:tint val="75000"/>
@@ -1758,9 +1758,9 @@
                 </a:solidFill>
               </a:defRPr>
             </a:lvl7pPr>
-            <a:lvl8pPr marL="4480560" indent="0">
-              <a:buNone/>
-              <a:defRPr sz="1960">
+            <a:lvl8pPr marL="7559985" indent="0">
+              <a:buNone/>
+              <a:defRPr sz="3307">
                 <a:solidFill>
                   <a:schemeClr val="tx1">
                     <a:tint val="75000"/>
@@ -1768,9 +1768,9 @@
                 </a:solidFill>
               </a:defRPr>
             </a:lvl8pPr>
-            <a:lvl9pPr marL="5120640" indent="0">
-              <a:buNone/>
-              <a:defRPr sz="1960">
+            <a:lvl9pPr marL="8639983" indent="0">
+              <a:buNone/>
+              <a:defRPr sz="3307">
                 <a:solidFill>
                   <a:schemeClr val="tx1">
                     <a:tint val="75000"/>
@@ -1805,7 +1805,7 @@
           <a:p>
             <a:fld id="{4A507BA2-D0CB-42E5-99F8-5739067202B7}" type="datetimeFigureOut">
               <a:rPr lang="ko-KR" altLang="en-US" smtClean="0"/>
-              <a:t>2024-11-08</a:t>
+              <a:t>2024-11-09</a:t>
             </a:fld>
             <a:endParaRPr lang="ko-KR" altLang="en-US"/>
           </a:p>
@@ -1856,7 +1856,7 @@
     </p:spTree>
     <p:extLst>
       <p:ext uri="{BB962C8B-B14F-4D97-AF65-F5344CB8AC3E}">
-        <p14:creationId xmlns:p14="http://schemas.microsoft.com/office/powerpoint/2010/main" val="2445707779"/>
+        <p14:creationId xmlns:p14="http://schemas.microsoft.com/office/powerpoint/2010/main" val="3987457961"/>
       </p:ext>
     </p:extLst>
   </p:cSld>
@@ -1895,8 +1895,8 @@
         </p:nvSpPr>
         <p:spPr>
           <a:xfrm>
-            <a:off x="1084839" y="1517226"/>
-            <a:ext cx="8501055" cy="7522916"/>
+            <a:off x="1830397" y="2879937"/>
+            <a:ext cx="14343422" cy="14279686"/>
           </a:xfrm>
         </p:spPr>
         <p:txBody>
@@ -1905,7 +1905,7 @@
           </a:bodyPr>
           <a:lstStyle>
             <a:lvl1pPr algn="l">
-              <a:defRPr sz="6160" b="0" cap="none"/>
+              <a:defRPr sz="10394" b="0" cap="none"/>
             </a:lvl1pPr>
           </a:lstStyle>
           <a:p>
@@ -1929,8 +1929,8 @@
         </p:nvSpPr>
         <p:spPr>
           <a:xfrm>
-            <a:off x="853436" y="9988409"/>
-            <a:ext cx="8886802" cy="1279906"/>
+            <a:off x="1439961" y="18959583"/>
+            <a:ext cx="14994275" cy="2429465"/>
           </a:xfrm>
         </p:spPr>
         <p:txBody>
@@ -1941,7 +1941,7 @@
             <a:lvl1pPr marL="0" indent="0">
               <a:buFontTx/>
               <a:buNone/>
-              <a:defRPr sz="3360">
+              <a:defRPr sz="5669">
                 <a:solidFill>
                   <a:schemeClr val="tx1">
                     <a:lumMod val="75000"/>
@@ -1950,22 +1950,22 @@
                 </a:solidFill>
               </a:defRPr>
             </a:lvl1pPr>
-            <a:lvl2pPr marL="640080" indent="0">
+            <a:lvl2pPr marL="1079998" indent="0">
               <a:buFontTx/>
               <a:buNone/>
               <a:defRPr/>
             </a:lvl2pPr>
-            <a:lvl3pPr marL="1280160" indent="0">
+            <a:lvl3pPr marL="2159996" indent="0">
               <a:buFontTx/>
               <a:buNone/>
               <a:defRPr/>
             </a:lvl3pPr>
-            <a:lvl4pPr marL="1920240" indent="0">
+            <a:lvl4pPr marL="3239994" indent="0">
               <a:buFontTx/>
               <a:buNone/>
               <a:defRPr/>
             </a:lvl4pPr>
-            <a:lvl5pPr marL="2560320" indent="0">
+            <a:lvl5pPr marL="4319991" indent="0">
               <a:buFontTx/>
               <a:buNone/>
               <a:defRPr/>
@@ -1992,8 +1992,8 @@
         </p:nvSpPr>
         <p:spPr>
           <a:xfrm>
-            <a:off x="853438" y="11268315"/>
-            <a:ext cx="8886801" cy="3767964"/>
+            <a:off x="1439965" y="21389048"/>
+            <a:ext cx="14994273" cy="7152192"/>
           </a:xfrm>
         </p:spPr>
         <p:txBody>
@@ -2003,7 +2003,7 @@
           <a:lstStyle>
             <a:lvl1pPr marL="0" indent="0" algn="l">
               <a:buNone/>
-              <a:defRPr sz="2520">
+              <a:defRPr sz="4252">
                 <a:solidFill>
                   <a:schemeClr val="tx1">
                     <a:lumMod val="50000"/>
@@ -2012,9 +2012,9 @@
                 </a:solidFill>
               </a:defRPr>
             </a:lvl1pPr>
-            <a:lvl2pPr marL="640080" indent="0">
-              <a:buNone/>
-              <a:defRPr sz="2520">
+            <a:lvl2pPr marL="1079998" indent="0">
+              <a:buNone/>
+              <a:defRPr sz="4252">
                 <a:solidFill>
                   <a:schemeClr val="tx1">
                     <a:tint val="75000"/>
@@ -2022,9 +2022,9 @@
                 </a:solidFill>
               </a:defRPr>
             </a:lvl2pPr>
-            <a:lvl3pPr marL="1280160" indent="0">
-              <a:buNone/>
-              <a:defRPr sz="2240">
+            <a:lvl3pPr marL="2159996" indent="0">
+              <a:buNone/>
+              <a:defRPr sz="3780">
                 <a:solidFill>
                   <a:schemeClr val="tx1">
                     <a:tint val="75000"/>
@@ -2032,9 +2032,9 @@
                 </a:solidFill>
               </a:defRPr>
             </a:lvl3pPr>
-            <a:lvl4pPr marL="1920240" indent="0">
-              <a:buNone/>
-              <a:defRPr sz="1960">
+            <a:lvl4pPr marL="3239994" indent="0">
+              <a:buNone/>
+              <a:defRPr sz="3307">
                 <a:solidFill>
                   <a:schemeClr val="tx1">
                     <a:tint val="75000"/>
@@ -2042,9 +2042,9 @@
                 </a:solidFill>
               </a:defRPr>
             </a:lvl4pPr>
-            <a:lvl5pPr marL="2560320" indent="0">
-              <a:buNone/>
-              <a:defRPr sz="1960">
+            <a:lvl5pPr marL="4319991" indent="0">
+              <a:buNone/>
+              <a:defRPr sz="3307">
                 <a:solidFill>
                   <a:schemeClr val="tx1">
                     <a:tint val="75000"/>
@@ -2052,9 +2052,9 @@
                 </a:solidFill>
               </a:defRPr>
             </a:lvl5pPr>
-            <a:lvl6pPr marL="3200400" indent="0">
-              <a:buNone/>
-              <a:defRPr sz="1960">
+            <a:lvl6pPr marL="5399989" indent="0">
+              <a:buNone/>
+              <a:defRPr sz="3307">
                 <a:solidFill>
                   <a:schemeClr val="tx1">
                     <a:tint val="75000"/>
@@ -2062,9 +2062,9 @@
                 </a:solidFill>
               </a:defRPr>
             </a:lvl6pPr>
-            <a:lvl7pPr marL="3840480" indent="0">
-              <a:buNone/>
-              <a:defRPr sz="1960">
+            <a:lvl7pPr marL="6479987" indent="0">
+              <a:buNone/>
+              <a:defRPr sz="3307">
                 <a:solidFill>
                   <a:schemeClr val="tx1">
                     <a:tint val="75000"/>
@@ -2072,9 +2072,9 @@
                 </a:solidFill>
               </a:defRPr>
             </a:lvl7pPr>
-            <a:lvl8pPr marL="4480560" indent="0">
-              <a:buNone/>
-              <a:defRPr sz="1960">
+            <a:lvl8pPr marL="7559985" indent="0">
+              <a:buNone/>
+              <a:defRPr sz="3307">
                 <a:solidFill>
                   <a:schemeClr val="tx1">
                     <a:tint val="75000"/>
@@ -2082,9 +2082,9 @@
                 </a:solidFill>
               </a:defRPr>
             </a:lvl8pPr>
-            <a:lvl9pPr marL="5120640" indent="0">
-              <a:buNone/>
-              <a:defRPr sz="1960">
+            <a:lvl9pPr marL="8639983" indent="0">
+              <a:buNone/>
+              <a:defRPr sz="3307">
                 <a:solidFill>
                   <a:schemeClr val="tx1">
                     <a:tint val="75000"/>
@@ -2119,7 +2119,7 @@
           <a:p>
             <a:fld id="{4A507BA2-D0CB-42E5-99F8-5739067202B7}" type="datetimeFigureOut">
               <a:rPr lang="ko-KR" altLang="en-US" smtClean="0"/>
-              <a:t>2024-11-08</a:t>
+              <a:t>2024-11-09</a:t>
             </a:fld>
             <a:endParaRPr lang="ko-KR" altLang="en-US"/>
           </a:p>
@@ -2175,22 +2175,22 @@
         </p:nvSpPr>
         <p:spPr>
           <a:xfrm>
-            <a:off x="675796" y="1967163"/>
-            <a:ext cx="640247" cy="1455442"/>
+            <a:off x="1140238" y="3733987"/>
+            <a:ext cx="1080257" cy="2762661"/>
           </a:xfrm>
           <a:prstGeom prst="rect">
             <a:avLst/>
           </a:prstGeom>
         </p:spPr>
         <p:txBody>
-          <a:bodyPr vert="horz" lIns="128016" tIns="64008" rIns="128016" bIns="64008" rtlCol="0" anchor="ctr">
+          <a:bodyPr vert="horz" lIns="215995" tIns="107998" rIns="215995" bIns="107998" rtlCol="0" anchor="ctr">
             <a:noAutofit/>
           </a:bodyPr>
           <a:lstStyle/>
           <a:p>
             <a:pPr lvl="0"/>
             <a:r>
-              <a:rPr lang="en-US" sz="11200" baseline="0" dirty="0">
+              <a:rPr lang="en-US" sz="18898" baseline="0" dirty="0">
                 <a:ln w="3175" cmpd="sng">
                   <a:noFill/>
                 </a:ln>
@@ -2216,22 +2216,22 @@
         </p:nvSpPr>
         <p:spPr>
           <a:xfrm>
-            <a:off x="9446779" y="7184317"/>
-            <a:ext cx="640247" cy="1455442"/>
+            <a:off x="15939097" y="13636973"/>
+            <a:ext cx="1080257" cy="2762661"/>
           </a:xfrm>
           <a:prstGeom prst="rect">
             <a:avLst/>
           </a:prstGeom>
         </p:spPr>
         <p:txBody>
-          <a:bodyPr vert="horz" lIns="128016" tIns="64008" rIns="128016" bIns="64008" rtlCol="0" anchor="ctr">
+          <a:bodyPr vert="horz" lIns="215995" tIns="107998" rIns="215995" bIns="107998" rtlCol="0" anchor="ctr">
             <a:noAutofit/>
           </a:bodyPr>
           <a:lstStyle/>
           <a:p>
             <a:pPr lvl="0"/>
             <a:r>
-              <a:rPr lang="en-US" sz="11200" baseline="0" dirty="0">
+              <a:rPr lang="en-US" sz="18898" baseline="0" dirty="0">
                 <a:ln w="3175" cmpd="sng">
                   <a:noFill/>
                 </a:ln>
@@ -2252,7 +2252,7 @@
     </p:spTree>
     <p:extLst>
       <p:ext uri="{BB962C8B-B14F-4D97-AF65-F5344CB8AC3E}">
-        <p14:creationId xmlns:p14="http://schemas.microsoft.com/office/powerpoint/2010/main" val="4022972553"/>
+        <p14:creationId xmlns:p14="http://schemas.microsoft.com/office/powerpoint/2010/main" val="3214912516"/>
       </p:ext>
     </p:extLst>
   </p:cSld>
@@ -2291,8 +2291,8 @@
         </p:nvSpPr>
         <p:spPr>
           <a:xfrm>
-            <a:off x="862188" y="1517226"/>
-            <a:ext cx="8878051" cy="7522916"/>
+            <a:off x="1454728" y="2879937"/>
+            <a:ext cx="14979509" cy="14279686"/>
           </a:xfrm>
         </p:spPr>
         <p:txBody>
@@ -2301,7 +2301,7 @@
           </a:bodyPr>
           <a:lstStyle>
             <a:lvl1pPr algn="l">
-              <a:defRPr sz="6160" b="0" cap="none"/>
+              <a:defRPr sz="10394" b="0" cap="none"/>
             </a:lvl1pPr>
           </a:lstStyle>
           <a:p>
@@ -2325,8 +2325,8 @@
         </p:nvSpPr>
         <p:spPr>
           <a:xfrm>
-            <a:off x="853436" y="9988409"/>
-            <a:ext cx="8886802" cy="1279906"/>
+            <a:off x="1439961" y="18959583"/>
+            <a:ext cx="14994275" cy="2429465"/>
           </a:xfrm>
         </p:spPr>
         <p:txBody>
@@ -2337,28 +2337,28 @@
             <a:lvl1pPr marL="0" indent="0">
               <a:buFontTx/>
               <a:buNone/>
-              <a:defRPr sz="3360">
+              <a:defRPr sz="5669">
                 <a:solidFill>
                   <a:schemeClr val="accent1"/>
                 </a:solidFill>
               </a:defRPr>
             </a:lvl1pPr>
-            <a:lvl2pPr marL="640080" indent="0">
+            <a:lvl2pPr marL="1079998" indent="0">
               <a:buFontTx/>
               <a:buNone/>
               <a:defRPr/>
             </a:lvl2pPr>
-            <a:lvl3pPr marL="1280160" indent="0">
+            <a:lvl3pPr marL="2159996" indent="0">
               <a:buFontTx/>
               <a:buNone/>
               <a:defRPr/>
             </a:lvl3pPr>
-            <a:lvl4pPr marL="1920240" indent="0">
+            <a:lvl4pPr marL="3239994" indent="0">
               <a:buFontTx/>
               <a:buNone/>
               <a:defRPr/>
             </a:lvl4pPr>
-            <a:lvl5pPr marL="2560320" indent="0">
+            <a:lvl5pPr marL="4319991" indent="0">
               <a:buFontTx/>
               <a:buNone/>
               <a:defRPr/>
@@ -2385,8 +2385,8 @@
         </p:nvSpPr>
         <p:spPr>
           <a:xfrm>
-            <a:off x="853438" y="11268315"/>
-            <a:ext cx="8886801" cy="3767964"/>
+            <a:off x="1439965" y="21389048"/>
+            <a:ext cx="14994273" cy="7152192"/>
           </a:xfrm>
         </p:spPr>
         <p:txBody>
@@ -2396,7 +2396,7 @@
           <a:lstStyle>
             <a:lvl1pPr marL="0" indent="0" algn="l">
               <a:buNone/>
-              <a:defRPr sz="2520">
+              <a:defRPr sz="4252">
                 <a:solidFill>
                   <a:schemeClr val="tx1">
                     <a:lumMod val="50000"/>
@@ -2405,9 +2405,9 @@
                 </a:solidFill>
               </a:defRPr>
             </a:lvl1pPr>
-            <a:lvl2pPr marL="640080" indent="0">
-              <a:buNone/>
-              <a:defRPr sz="2520">
+            <a:lvl2pPr marL="1079998" indent="0">
+              <a:buNone/>
+              <a:defRPr sz="4252">
                 <a:solidFill>
                   <a:schemeClr val="tx1">
                     <a:tint val="75000"/>
@@ -2415,9 +2415,9 @@
                 </a:solidFill>
               </a:defRPr>
             </a:lvl2pPr>
-            <a:lvl3pPr marL="1280160" indent="0">
-              <a:buNone/>
-              <a:defRPr sz="2240">
+            <a:lvl3pPr marL="2159996" indent="0">
+              <a:buNone/>
+              <a:defRPr sz="3780">
                 <a:solidFill>
                   <a:schemeClr val="tx1">
                     <a:tint val="75000"/>
@@ -2425,9 +2425,9 @@
                 </a:solidFill>
               </a:defRPr>
             </a:lvl3pPr>
-            <a:lvl4pPr marL="1920240" indent="0">
-              <a:buNone/>
-              <a:defRPr sz="1960">
+            <a:lvl4pPr marL="3239994" indent="0">
+              <a:buNone/>
+              <a:defRPr sz="3307">
                 <a:solidFill>
                   <a:schemeClr val="tx1">
                     <a:tint val="75000"/>
@@ -2435,9 +2435,9 @@
                 </a:solidFill>
               </a:defRPr>
             </a:lvl4pPr>
-            <a:lvl5pPr marL="2560320" indent="0">
-              <a:buNone/>
-              <a:defRPr sz="1960">
+            <a:lvl5pPr marL="4319991" indent="0">
+              <a:buNone/>
+              <a:defRPr sz="3307">
                 <a:solidFill>
                   <a:schemeClr val="tx1">
                     <a:tint val="75000"/>
@@ -2445,9 +2445,9 @@
                 </a:solidFill>
               </a:defRPr>
             </a:lvl5pPr>
-            <a:lvl6pPr marL="3200400" indent="0">
-              <a:buNone/>
-              <a:defRPr sz="1960">
+            <a:lvl6pPr marL="5399989" indent="0">
+              <a:buNone/>
+              <a:defRPr sz="3307">
                 <a:solidFill>
                   <a:schemeClr val="tx1">
                     <a:tint val="75000"/>
@@ -2455,9 +2455,9 @@
                 </a:solidFill>
               </a:defRPr>
             </a:lvl6pPr>
-            <a:lvl7pPr marL="3840480" indent="0">
-              <a:buNone/>
-              <a:defRPr sz="1960">
+            <a:lvl7pPr marL="6479987" indent="0">
+              <a:buNone/>
+              <a:defRPr sz="3307">
                 <a:solidFill>
                   <a:schemeClr val="tx1">
                     <a:tint val="75000"/>
@@ -2465,9 +2465,9 @@
                 </a:solidFill>
               </a:defRPr>
             </a:lvl7pPr>
-            <a:lvl8pPr marL="4480560" indent="0">
-              <a:buNone/>
-              <a:defRPr sz="1960">
+            <a:lvl8pPr marL="7559985" indent="0">
+              <a:buNone/>
+              <a:defRPr sz="3307">
                 <a:solidFill>
                   <a:schemeClr val="tx1">
                     <a:tint val="75000"/>
@@ -2475,9 +2475,9 @@
                 </a:solidFill>
               </a:defRPr>
             </a:lvl8pPr>
-            <a:lvl9pPr marL="5120640" indent="0">
-              <a:buNone/>
-              <a:defRPr sz="1960">
+            <a:lvl9pPr marL="8639983" indent="0">
+              <a:buNone/>
+              <a:defRPr sz="3307">
                 <a:solidFill>
                   <a:schemeClr val="tx1">
                     <a:tint val="75000"/>
@@ -2512,7 +2512,7 @@
           <a:p>
             <a:fld id="{4A507BA2-D0CB-42E5-99F8-5739067202B7}" type="datetimeFigureOut">
               <a:rPr lang="ko-KR" altLang="en-US" smtClean="0"/>
-              <a:t>2024-11-08</a:t>
+              <a:t>2024-11-09</a:t>
             </a:fld>
             <a:endParaRPr lang="ko-KR" altLang="en-US"/>
           </a:p>
@@ -2563,7 +2563,7 @@
     </p:spTree>
     <p:extLst>
       <p:ext uri="{BB962C8B-B14F-4D97-AF65-F5344CB8AC3E}">
-        <p14:creationId xmlns:p14="http://schemas.microsoft.com/office/powerpoint/2010/main" val="751582528"/>
+        <p14:creationId xmlns:p14="http://schemas.microsoft.com/office/powerpoint/2010/main" val="4203354172"/>
       </p:ext>
     </p:extLst>
   </p:cSld>
@@ -2682,7 +2682,7 @@
           <a:p>
             <a:fld id="{4A507BA2-D0CB-42E5-99F8-5739067202B7}" type="datetimeFigureOut">
               <a:rPr lang="ko-KR" altLang="en-US" smtClean="0"/>
-              <a:t>2024-11-08</a:t>
+              <a:t>2024-11-09</a:t>
             </a:fld>
             <a:endParaRPr lang="ko-KR" altLang="en-US"/>
           </a:p>
@@ -2733,7 +2733,7 @@
     </p:spTree>
     <p:extLst>
       <p:ext uri="{BB962C8B-B14F-4D97-AF65-F5344CB8AC3E}">
-        <p14:creationId xmlns:p14="http://schemas.microsoft.com/office/powerpoint/2010/main" val="3066897072"/>
+        <p14:creationId xmlns:p14="http://schemas.microsoft.com/office/powerpoint/2010/main" val="2133102669"/>
       </p:ext>
     </p:extLst>
   </p:cSld>
@@ -2772,8 +2772,8 @@
         </p:nvSpPr>
         <p:spPr>
           <a:xfrm>
-            <a:off x="8368237" y="1517228"/>
-            <a:ext cx="1370337" cy="13070278"/>
+            <a:off x="14119324" y="2879939"/>
+            <a:ext cx="2312103" cy="24809460"/>
           </a:xfrm>
         </p:spPr>
         <p:txBody>
@@ -2800,8 +2800,8 @@
         </p:nvSpPr>
         <p:spPr>
           <a:xfrm>
-            <a:off x="853439" y="1517228"/>
-            <a:ext cx="7273036" cy="13070278"/>
+            <a:off x="1439966" y="2879939"/>
+            <a:ext cx="12271445" cy="24809460"/>
           </a:xfrm>
         </p:spPr>
         <p:txBody>
@@ -2862,7 +2862,7 @@
           <a:p>
             <a:fld id="{4A507BA2-D0CB-42E5-99F8-5739067202B7}" type="datetimeFigureOut">
               <a:rPr lang="ko-KR" altLang="en-US" smtClean="0"/>
-              <a:t>2024-11-08</a:t>
+              <a:t>2024-11-09</a:t>
             </a:fld>
             <a:endParaRPr lang="ko-KR" altLang="en-US"/>
           </a:p>
@@ -2913,7 +2913,7 @@
     </p:spTree>
     <p:extLst>
       <p:ext uri="{BB962C8B-B14F-4D97-AF65-F5344CB8AC3E}">
-        <p14:creationId xmlns:p14="http://schemas.microsoft.com/office/powerpoint/2010/main" val="506094028"/>
+        <p14:creationId xmlns:p14="http://schemas.microsoft.com/office/powerpoint/2010/main" val="3464812389"/>
       </p:ext>
     </p:extLst>
   </p:cSld>
@@ -2957,7 +2957,7 @@
           </a:bodyPr>
           <a:lstStyle>
             <a:lvl1pPr>
-              <a:defRPr sz="5040"/>
+              <a:defRPr sz="8504"/>
             </a:lvl1pPr>
           </a:lstStyle>
           <a:p>
@@ -3038,7 +3038,7 @@
           <a:p>
             <a:fld id="{4A507BA2-D0CB-42E5-99F8-5739067202B7}" type="datetimeFigureOut">
               <a:rPr lang="ko-KR" altLang="en-US" smtClean="0"/>
-              <a:t>2024-11-08</a:t>
+              <a:t>2024-11-09</a:t>
             </a:fld>
             <a:endParaRPr lang="ko-KR" altLang="en-US"/>
           </a:p>
@@ -3089,7 +3089,7 @@
     </p:spTree>
     <p:extLst>
       <p:ext uri="{BB962C8B-B14F-4D97-AF65-F5344CB8AC3E}">
-        <p14:creationId xmlns:p14="http://schemas.microsoft.com/office/powerpoint/2010/main" val="504107804"/>
+        <p14:creationId xmlns:p14="http://schemas.microsoft.com/office/powerpoint/2010/main" val="1859610053"/>
       </p:ext>
     </p:extLst>
   </p:cSld>
@@ -3128,15 +3128,15 @@
         </p:nvSpPr>
         <p:spPr>
           <a:xfrm>
-            <a:off x="853438" y="6722162"/>
-            <a:ext cx="8886801" cy="4546157"/>
+            <a:off x="1439965" y="12759728"/>
+            <a:ext cx="14994273" cy="8629327"/>
           </a:xfrm>
         </p:spPr>
         <p:txBody>
           <a:bodyPr anchor="b"/>
           <a:lstStyle>
             <a:lvl1pPr algn="l">
-              <a:defRPr sz="5600" b="0" cap="none"/>
+              <a:defRPr sz="9449" b="0" cap="none"/>
             </a:lvl1pPr>
           </a:lstStyle>
           <a:p>
@@ -3160,8 +3160,8 @@
         </p:nvSpPr>
         <p:spPr>
           <a:xfrm>
-            <a:off x="853438" y="11268315"/>
-            <a:ext cx="8886801" cy="2141440"/>
+            <a:off x="1439965" y="21389048"/>
+            <a:ext cx="14994273" cy="4064793"/>
           </a:xfrm>
         </p:spPr>
         <p:txBody>
@@ -3169,7 +3169,7 @@
           <a:lstStyle>
             <a:lvl1pPr marL="0" indent="0" algn="l">
               <a:buNone/>
-              <a:defRPr sz="2800">
+              <a:defRPr sz="4724">
                 <a:solidFill>
                   <a:schemeClr val="tx1">
                     <a:lumMod val="50000"/>
@@ -3178,9 +3178,9 @@
                 </a:solidFill>
               </a:defRPr>
             </a:lvl1pPr>
-            <a:lvl2pPr marL="640080" indent="0">
-              <a:buNone/>
-              <a:defRPr sz="2520">
+            <a:lvl2pPr marL="1079998" indent="0">
+              <a:buNone/>
+              <a:defRPr sz="4252">
                 <a:solidFill>
                   <a:schemeClr val="tx1">
                     <a:tint val="75000"/>
@@ -3188,9 +3188,9 @@
                 </a:solidFill>
               </a:defRPr>
             </a:lvl2pPr>
-            <a:lvl3pPr marL="1280160" indent="0">
-              <a:buNone/>
-              <a:defRPr sz="2240">
+            <a:lvl3pPr marL="2159996" indent="0">
+              <a:buNone/>
+              <a:defRPr sz="3780">
                 <a:solidFill>
                   <a:schemeClr val="tx1">
                     <a:tint val="75000"/>
@@ -3198,9 +3198,9 @@
                 </a:solidFill>
               </a:defRPr>
             </a:lvl3pPr>
-            <a:lvl4pPr marL="1920240" indent="0">
-              <a:buNone/>
-              <a:defRPr sz="1960">
+            <a:lvl4pPr marL="3239994" indent="0">
+              <a:buNone/>
+              <a:defRPr sz="3307">
                 <a:solidFill>
                   <a:schemeClr val="tx1">
                     <a:tint val="75000"/>
@@ -3208,9 +3208,9 @@
                 </a:solidFill>
               </a:defRPr>
             </a:lvl4pPr>
-            <a:lvl5pPr marL="2560320" indent="0">
-              <a:buNone/>
-              <a:defRPr sz="1960">
+            <a:lvl5pPr marL="4319991" indent="0">
+              <a:buNone/>
+              <a:defRPr sz="3307">
                 <a:solidFill>
                   <a:schemeClr val="tx1">
                     <a:tint val="75000"/>
@@ -3218,9 +3218,9 @@
                 </a:solidFill>
               </a:defRPr>
             </a:lvl5pPr>
-            <a:lvl6pPr marL="3200400" indent="0">
-              <a:buNone/>
-              <a:defRPr sz="1960">
+            <a:lvl6pPr marL="5399989" indent="0">
+              <a:buNone/>
+              <a:defRPr sz="3307">
                 <a:solidFill>
                   <a:schemeClr val="tx1">
                     <a:tint val="75000"/>
@@ -3228,9 +3228,9 @@
                 </a:solidFill>
               </a:defRPr>
             </a:lvl6pPr>
-            <a:lvl7pPr marL="3840480" indent="0">
-              <a:buNone/>
-              <a:defRPr sz="1960">
+            <a:lvl7pPr marL="6479987" indent="0">
+              <a:buNone/>
+              <a:defRPr sz="3307">
                 <a:solidFill>
                   <a:schemeClr val="tx1">
                     <a:tint val="75000"/>
@@ -3238,9 +3238,9 @@
                 </a:solidFill>
               </a:defRPr>
             </a:lvl7pPr>
-            <a:lvl8pPr marL="4480560" indent="0">
-              <a:buNone/>
-              <a:defRPr sz="1960">
+            <a:lvl8pPr marL="7559985" indent="0">
+              <a:buNone/>
+              <a:defRPr sz="3307">
                 <a:solidFill>
                   <a:schemeClr val="tx1">
                     <a:tint val="75000"/>
@@ -3248,9 +3248,9 @@
                 </a:solidFill>
               </a:defRPr>
             </a:lvl8pPr>
-            <a:lvl9pPr marL="5120640" indent="0">
-              <a:buNone/>
-              <a:defRPr sz="1960">
+            <a:lvl9pPr marL="8639983" indent="0">
+              <a:buNone/>
+              <a:defRPr sz="3307">
                 <a:solidFill>
                   <a:schemeClr val="tx1">
                     <a:tint val="75000"/>
@@ -3285,7 +3285,7 @@
           <a:p>
             <a:fld id="{4A507BA2-D0CB-42E5-99F8-5739067202B7}" type="datetimeFigureOut">
               <a:rPr lang="ko-KR" altLang="en-US" smtClean="0"/>
-              <a:t>2024-11-08</a:t>
+              <a:t>2024-11-09</a:t>
             </a:fld>
             <a:endParaRPr lang="ko-KR" altLang="en-US"/>
           </a:p>
@@ -3336,7 +3336,7 @@
     </p:spTree>
     <p:extLst>
       <p:ext uri="{BB962C8B-B14F-4D97-AF65-F5344CB8AC3E}">
-        <p14:creationId xmlns:p14="http://schemas.microsoft.com/office/powerpoint/2010/main" val="2570417643"/>
+        <p14:creationId xmlns:p14="http://schemas.microsoft.com/office/powerpoint/2010/main" val="2532926151"/>
       </p:ext>
     </p:extLst>
   </p:cSld>
@@ -3375,8 +3375,8 @@
         </p:nvSpPr>
         <p:spPr>
           <a:xfrm>
-            <a:off x="853440" y="1517227"/>
-            <a:ext cx="8886800" cy="3287324"/>
+            <a:off x="1439968" y="2879937"/>
+            <a:ext cx="14994270" cy="6239863"/>
           </a:xfrm>
         </p:spPr>
         <p:txBody>
@@ -3403,8 +3403,8 @@
         </p:nvSpPr>
         <p:spPr>
           <a:xfrm>
-            <a:off x="853441" y="5377466"/>
-            <a:ext cx="4323353" cy="9658810"/>
+            <a:off x="1439970" y="10207283"/>
+            <a:ext cx="7294585" cy="18333953"/>
           </a:xfrm>
         </p:spPr>
         <p:txBody>
@@ -3413,31 +3413,31 @@
           </a:bodyPr>
           <a:lstStyle>
             <a:lvl1pPr>
-              <a:defRPr sz="2520"/>
+              <a:defRPr sz="4252"/>
             </a:lvl1pPr>
             <a:lvl2pPr>
-              <a:defRPr sz="2240"/>
+              <a:defRPr sz="3780"/>
             </a:lvl2pPr>
             <a:lvl3pPr>
-              <a:defRPr sz="1960"/>
+              <a:defRPr sz="3307"/>
             </a:lvl3pPr>
             <a:lvl4pPr>
-              <a:defRPr sz="1680"/>
+              <a:defRPr sz="2835"/>
             </a:lvl4pPr>
             <a:lvl5pPr>
-              <a:defRPr sz="1680"/>
+              <a:defRPr sz="2835"/>
             </a:lvl5pPr>
             <a:lvl6pPr>
-              <a:defRPr sz="1680"/>
+              <a:defRPr sz="2835"/>
             </a:lvl6pPr>
             <a:lvl7pPr>
-              <a:defRPr sz="1680"/>
+              <a:defRPr sz="2835"/>
             </a:lvl7pPr>
             <a:lvl8pPr>
-              <a:defRPr sz="1680"/>
+              <a:defRPr sz="2835"/>
             </a:lvl8pPr>
             <a:lvl9pPr>
-              <a:defRPr sz="1680"/>
+              <a:defRPr sz="2835"/>
             </a:lvl9pPr>
           </a:lstStyle>
           <a:p>
@@ -3490,8 +3490,8 @@
         </p:nvSpPr>
         <p:spPr>
           <a:xfrm>
-            <a:off x="5416886" y="5377470"/>
-            <a:ext cx="4323354" cy="9658813"/>
+            <a:off x="9139651" y="10207290"/>
+            <a:ext cx="7294588" cy="18333958"/>
           </a:xfrm>
         </p:spPr>
         <p:txBody>
@@ -3500,31 +3500,31 @@
           </a:bodyPr>
           <a:lstStyle>
             <a:lvl1pPr>
-              <a:defRPr sz="2520"/>
+              <a:defRPr sz="4252"/>
             </a:lvl1pPr>
             <a:lvl2pPr>
-              <a:defRPr sz="2240"/>
+              <a:defRPr sz="3780"/>
             </a:lvl2pPr>
             <a:lvl3pPr>
-              <a:defRPr sz="1960"/>
+              <a:defRPr sz="3307"/>
             </a:lvl3pPr>
             <a:lvl4pPr>
-              <a:defRPr sz="1680"/>
+              <a:defRPr sz="2835"/>
             </a:lvl4pPr>
             <a:lvl5pPr>
-              <a:defRPr sz="1680"/>
+              <a:defRPr sz="2835"/>
             </a:lvl5pPr>
             <a:lvl6pPr>
-              <a:defRPr sz="1680"/>
+              <a:defRPr sz="2835"/>
             </a:lvl6pPr>
             <a:lvl7pPr>
-              <a:defRPr sz="1680"/>
+              <a:defRPr sz="2835"/>
             </a:lvl7pPr>
             <a:lvl8pPr>
-              <a:defRPr sz="1680"/>
+              <a:defRPr sz="2835"/>
             </a:lvl8pPr>
             <a:lvl9pPr>
-              <a:defRPr sz="1680"/>
+              <a:defRPr sz="2835"/>
             </a:lvl9pPr>
           </a:lstStyle>
           <a:p>
@@ -3582,7 +3582,7 @@
           <a:p>
             <a:fld id="{4A507BA2-D0CB-42E5-99F8-5739067202B7}" type="datetimeFigureOut">
               <a:rPr lang="ko-KR" altLang="en-US" smtClean="0"/>
-              <a:t>2024-11-08</a:t>
+              <a:t>2024-11-09</a:t>
             </a:fld>
             <a:endParaRPr lang="ko-KR" altLang="en-US"/>
           </a:p>
@@ -3633,7 +3633,7 @@
     </p:spTree>
     <p:extLst>
       <p:ext uri="{BB962C8B-B14F-4D97-AF65-F5344CB8AC3E}">
-        <p14:creationId xmlns:p14="http://schemas.microsoft.com/office/powerpoint/2010/main" val="2676064261"/>
+        <p14:creationId xmlns:p14="http://schemas.microsoft.com/office/powerpoint/2010/main" val="2605188655"/>
       </p:ext>
     </p:extLst>
   </p:cSld>
@@ -3672,8 +3672,8 @@
         </p:nvSpPr>
         <p:spPr>
           <a:xfrm>
-            <a:off x="853439" y="1517227"/>
-            <a:ext cx="8886798" cy="3287324"/>
+            <a:off x="1439967" y="2879937"/>
+            <a:ext cx="14994268" cy="6239863"/>
           </a:xfrm>
         </p:spPr>
         <p:txBody>
@@ -3704,8 +3704,8 @@
         </p:nvSpPr>
         <p:spPr>
           <a:xfrm>
-            <a:off x="853439" y="5378447"/>
-            <a:ext cx="4326941" cy="1434252"/>
+            <a:off x="1439966" y="10209144"/>
+            <a:ext cx="7300639" cy="2722438"/>
           </a:xfrm>
         </p:spPr>
         <p:txBody>
@@ -3715,39 +3715,39 @@
           <a:lstStyle>
             <a:lvl1pPr marL="0" indent="0">
               <a:buNone/>
-              <a:defRPr sz="3360" b="0"/>
+              <a:defRPr sz="5669" b="0"/>
             </a:lvl1pPr>
-            <a:lvl2pPr marL="640080" indent="0">
-              <a:buNone/>
-              <a:defRPr sz="2800" b="1"/>
+            <a:lvl2pPr marL="1079998" indent="0">
+              <a:buNone/>
+              <a:defRPr sz="4724" b="1"/>
             </a:lvl2pPr>
-            <a:lvl3pPr marL="1280160" indent="0">
-              <a:buNone/>
-              <a:defRPr sz="2520" b="1"/>
+            <a:lvl3pPr marL="2159996" indent="0">
+              <a:buNone/>
+              <a:defRPr sz="4252" b="1"/>
             </a:lvl3pPr>
-            <a:lvl4pPr marL="1920240" indent="0">
-              <a:buNone/>
-              <a:defRPr sz="2240" b="1"/>
+            <a:lvl4pPr marL="3239994" indent="0">
+              <a:buNone/>
+              <a:defRPr sz="3780" b="1"/>
             </a:lvl4pPr>
-            <a:lvl5pPr marL="2560320" indent="0">
-              <a:buNone/>
-              <a:defRPr sz="2240" b="1"/>
+            <a:lvl5pPr marL="4319991" indent="0">
+              <a:buNone/>
+              <a:defRPr sz="3780" b="1"/>
             </a:lvl5pPr>
-            <a:lvl6pPr marL="3200400" indent="0">
-              <a:buNone/>
-              <a:defRPr sz="2240" b="1"/>
+            <a:lvl6pPr marL="5399989" indent="0">
+              <a:buNone/>
+              <a:defRPr sz="3780" b="1"/>
             </a:lvl6pPr>
-            <a:lvl7pPr marL="3840480" indent="0">
-              <a:buNone/>
-              <a:defRPr sz="2240" b="1"/>
+            <a:lvl7pPr marL="6479987" indent="0">
+              <a:buNone/>
+              <a:defRPr sz="3780" b="1"/>
             </a:lvl7pPr>
-            <a:lvl8pPr marL="4480560" indent="0">
-              <a:buNone/>
-              <a:defRPr sz="2240" b="1"/>
+            <a:lvl8pPr marL="7559985" indent="0">
+              <a:buNone/>
+              <a:defRPr sz="3780" b="1"/>
             </a:lvl8pPr>
-            <a:lvl9pPr marL="5120640" indent="0">
-              <a:buNone/>
-              <a:defRPr sz="2240" b="1"/>
+            <a:lvl9pPr marL="8639983" indent="0">
+              <a:buNone/>
+              <a:defRPr sz="3780" b="1"/>
             </a:lvl9pPr>
           </a:lstStyle>
           <a:p>
@@ -3771,8 +3771,8 @@
         </p:nvSpPr>
         <p:spPr>
           <a:xfrm>
-            <a:off x="853439" y="6812702"/>
-            <a:ext cx="4326941" cy="8223580"/>
+            <a:off x="1439966" y="12931589"/>
+            <a:ext cx="7300639" cy="15609659"/>
           </a:xfrm>
         </p:spPr>
         <p:txBody>
@@ -3830,8 +3830,8 @@
         </p:nvSpPr>
         <p:spPr>
           <a:xfrm>
-            <a:off x="5413296" y="5378447"/>
-            <a:ext cx="4326941" cy="1434252"/>
+            <a:off x="9133595" y="10209144"/>
+            <a:ext cx="7300639" cy="2722438"/>
           </a:xfrm>
         </p:spPr>
         <p:txBody>
@@ -3841,39 +3841,39 @@
           <a:lstStyle>
             <a:lvl1pPr marL="0" indent="0">
               <a:buNone/>
-              <a:defRPr sz="3360" b="0"/>
+              <a:defRPr sz="5669" b="0"/>
             </a:lvl1pPr>
-            <a:lvl2pPr marL="640080" indent="0">
-              <a:buNone/>
-              <a:defRPr sz="2800" b="1"/>
+            <a:lvl2pPr marL="1079998" indent="0">
+              <a:buNone/>
+              <a:defRPr sz="4724" b="1"/>
             </a:lvl2pPr>
-            <a:lvl3pPr marL="1280160" indent="0">
-              <a:buNone/>
-              <a:defRPr sz="2520" b="1"/>
+            <a:lvl3pPr marL="2159996" indent="0">
+              <a:buNone/>
+              <a:defRPr sz="4252" b="1"/>
             </a:lvl3pPr>
-            <a:lvl4pPr marL="1920240" indent="0">
-              <a:buNone/>
-              <a:defRPr sz="2240" b="1"/>
+            <a:lvl4pPr marL="3239994" indent="0">
+              <a:buNone/>
+              <a:defRPr sz="3780" b="1"/>
             </a:lvl4pPr>
-            <a:lvl5pPr marL="2560320" indent="0">
-              <a:buNone/>
-              <a:defRPr sz="2240" b="1"/>
+            <a:lvl5pPr marL="4319991" indent="0">
+              <a:buNone/>
+              <a:defRPr sz="3780" b="1"/>
             </a:lvl5pPr>
-            <a:lvl6pPr marL="3200400" indent="0">
-              <a:buNone/>
-              <a:defRPr sz="2240" b="1"/>
+            <a:lvl6pPr marL="5399989" indent="0">
+              <a:buNone/>
+              <a:defRPr sz="3780" b="1"/>
             </a:lvl6pPr>
-            <a:lvl7pPr marL="3840480" indent="0">
-              <a:buNone/>
-              <a:defRPr sz="2240" b="1"/>
+            <a:lvl7pPr marL="6479987" indent="0">
+              <a:buNone/>
+              <a:defRPr sz="3780" b="1"/>
             </a:lvl7pPr>
-            <a:lvl8pPr marL="4480560" indent="0">
-              <a:buNone/>
-              <a:defRPr sz="2240" b="1"/>
+            <a:lvl8pPr marL="7559985" indent="0">
+              <a:buNone/>
+              <a:defRPr sz="3780" b="1"/>
             </a:lvl8pPr>
-            <a:lvl9pPr marL="5120640" indent="0">
-              <a:buNone/>
-              <a:defRPr sz="2240" b="1"/>
+            <a:lvl9pPr marL="8639983" indent="0">
+              <a:buNone/>
+              <a:defRPr sz="3780" b="1"/>
             </a:lvl9pPr>
           </a:lstStyle>
           <a:p>
@@ -3897,8 +3897,8 @@
         </p:nvSpPr>
         <p:spPr>
           <a:xfrm>
-            <a:off x="5413296" y="6812702"/>
-            <a:ext cx="4326941" cy="8223580"/>
+            <a:off x="9133595" y="12931589"/>
+            <a:ext cx="7300639" cy="15609659"/>
           </a:xfrm>
         </p:spPr>
         <p:txBody>
@@ -3961,7 +3961,7 @@
           <a:p>
             <a:fld id="{4A507BA2-D0CB-42E5-99F8-5739067202B7}" type="datetimeFigureOut">
               <a:rPr lang="ko-KR" altLang="en-US" smtClean="0"/>
-              <a:t>2024-11-08</a:t>
+              <a:t>2024-11-09</a:t>
             </a:fld>
             <a:endParaRPr lang="ko-KR" altLang="en-US"/>
           </a:p>
@@ -4012,7 +4012,7 @@
     </p:spTree>
     <p:extLst>
       <p:ext uri="{BB962C8B-B14F-4D97-AF65-F5344CB8AC3E}">
-        <p14:creationId xmlns:p14="http://schemas.microsoft.com/office/powerpoint/2010/main" val="707263370"/>
+        <p14:creationId xmlns:p14="http://schemas.microsoft.com/office/powerpoint/2010/main" val="4055071707"/>
       </p:ext>
     </p:extLst>
   </p:cSld>
@@ -4051,8 +4051,8 @@
         </p:nvSpPr>
         <p:spPr>
           <a:xfrm>
-            <a:off x="853438" y="1517227"/>
-            <a:ext cx="8886800" cy="3287324"/>
+            <a:off x="1439966" y="2879937"/>
+            <a:ext cx="14994270" cy="6239863"/>
           </a:xfrm>
         </p:spPr>
         <p:txBody>
@@ -4084,7 +4084,7 @@
           <a:p>
             <a:fld id="{4A507BA2-D0CB-42E5-99F8-5739067202B7}" type="datetimeFigureOut">
               <a:rPr lang="ko-KR" altLang="en-US" smtClean="0"/>
-              <a:t>2024-11-08</a:t>
+              <a:t>2024-11-09</a:t>
             </a:fld>
             <a:endParaRPr lang="ko-KR" altLang="en-US"/>
           </a:p>
@@ -4135,7 +4135,7 @@
     </p:spTree>
     <p:extLst>
       <p:ext uri="{BB962C8B-B14F-4D97-AF65-F5344CB8AC3E}">
-        <p14:creationId xmlns:p14="http://schemas.microsoft.com/office/powerpoint/2010/main" val="3088472290"/>
+        <p14:creationId xmlns:p14="http://schemas.microsoft.com/office/powerpoint/2010/main" val="3675741588"/>
       </p:ext>
     </p:extLst>
   </p:cSld>
@@ -4179,7 +4179,7 @@
           <a:p>
             <a:fld id="{4A507BA2-D0CB-42E5-99F8-5739067202B7}" type="datetimeFigureOut">
               <a:rPr lang="ko-KR" altLang="en-US" smtClean="0"/>
-              <a:t>2024-11-08</a:t>
+              <a:t>2024-11-09</a:t>
             </a:fld>
             <a:endParaRPr lang="ko-KR" altLang="en-US"/>
           </a:p>
@@ -4230,7 +4230,7 @@
     </p:spTree>
     <p:extLst>
       <p:ext uri="{BB962C8B-B14F-4D97-AF65-F5344CB8AC3E}">
-        <p14:creationId xmlns:p14="http://schemas.microsoft.com/office/powerpoint/2010/main" val="2048215719"/>
+        <p14:creationId xmlns:p14="http://schemas.microsoft.com/office/powerpoint/2010/main" val="3938838038"/>
       </p:ext>
     </p:extLst>
   </p:cSld>
@@ -4269,8 +4269,8 @@
         </p:nvSpPr>
         <p:spPr>
           <a:xfrm>
-            <a:off x="853439" y="3729859"/>
-            <a:ext cx="3906255" cy="3181960"/>
+            <a:off x="1439966" y="7079863"/>
+            <a:ext cx="6590836" cy="6039864"/>
           </a:xfrm>
         </p:spPr>
         <p:txBody>
@@ -4279,7 +4279,7 @@
           </a:bodyPr>
           <a:lstStyle>
             <a:lvl1pPr>
-              <a:defRPr sz="2800"/>
+              <a:defRPr sz="4724"/>
             </a:lvl1pPr>
           </a:lstStyle>
           <a:p>
@@ -4303,8 +4303,8 @@
         </p:nvSpPr>
         <p:spPr>
           <a:xfrm>
-            <a:off x="4999786" y="1281592"/>
-            <a:ext cx="4740452" cy="13754688"/>
+            <a:off x="8435898" y="2432666"/>
+            <a:ext cx="7998337" cy="26108577"/>
           </a:xfrm>
         </p:spPr>
         <p:txBody>
@@ -4362,8 +4362,8 @@
         </p:nvSpPr>
         <p:spPr>
           <a:xfrm>
-            <a:off x="853439" y="6911818"/>
-            <a:ext cx="3906255" cy="6432406"/>
+            <a:off x="1439966" y="13119725"/>
+            <a:ext cx="6590836" cy="12209727"/>
           </a:xfrm>
         </p:spPr>
         <p:txBody>
@@ -4373,39 +4373,39 @@
           <a:lstStyle>
             <a:lvl1pPr marL="0" indent="0">
               <a:buNone/>
-              <a:defRPr sz="1960"/>
+              <a:defRPr sz="3307"/>
             </a:lvl1pPr>
-            <a:lvl2pPr marL="480060" indent="0">
-              <a:buNone/>
-              <a:defRPr sz="1470"/>
+            <a:lvl2pPr marL="809998" indent="0">
+              <a:buNone/>
+              <a:defRPr sz="2480"/>
             </a:lvl2pPr>
-            <a:lvl3pPr marL="960120" indent="0">
-              <a:buNone/>
-              <a:defRPr sz="1260"/>
+            <a:lvl3pPr marL="1619997" indent="0">
+              <a:buNone/>
+              <a:defRPr sz="2126"/>
             </a:lvl3pPr>
-            <a:lvl4pPr marL="1440180" indent="0">
-              <a:buNone/>
-              <a:defRPr sz="1050"/>
+            <a:lvl4pPr marL="2429995" indent="0">
+              <a:buNone/>
+              <a:defRPr sz="1772"/>
             </a:lvl4pPr>
-            <a:lvl5pPr marL="1920240" indent="0">
-              <a:buNone/>
-              <a:defRPr sz="1050"/>
+            <a:lvl5pPr marL="3239994" indent="0">
+              <a:buNone/>
+              <a:defRPr sz="1772"/>
             </a:lvl5pPr>
-            <a:lvl6pPr marL="2400300" indent="0">
-              <a:buNone/>
-              <a:defRPr sz="1050"/>
+            <a:lvl6pPr marL="4049992" indent="0">
+              <a:buNone/>
+              <a:defRPr sz="1772"/>
             </a:lvl6pPr>
-            <a:lvl7pPr marL="2880360" indent="0">
-              <a:buNone/>
-              <a:defRPr sz="1050"/>
+            <a:lvl7pPr marL="4859990" indent="0">
+              <a:buNone/>
+              <a:defRPr sz="1772"/>
             </a:lvl7pPr>
-            <a:lvl8pPr marL="3360420" indent="0">
-              <a:buNone/>
-              <a:defRPr sz="1050"/>
+            <a:lvl8pPr marL="5669989" indent="0">
+              <a:buNone/>
+              <a:defRPr sz="1772"/>
             </a:lvl8pPr>
-            <a:lvl9pPr marL="3840480" indent="0">
-              <a:buNone/>
-              <a:defRPr sz="1050"/>
+            <a:lvl9pPr marL="6479987" indent="0">
+              <a:buNone/>
+              <a:defRPr sz="1772"/>
             </a:lvl9pPr>
           </a:lstStyle>
           <a:p>
@@ -4434,7 +4434,7 @@
           <a:p>
             <a:fld id="{4A507BA2-D0CB-42E5-99F8-5739067202B7}" type="datetimeFigureOut">
               <a:rPr lang="ko-KR" altLang="en-US" smtClean="0"/>
-              <a:t>2024-11-08</a:t>
+              <a:t>2024-11-09</a:t>
             </a:fld>
             <a:endParaRPr lang="ko-KR" altLang="en-US"/>
           </a:p>
@@ -4485,7 +4485,7 @@
     </p:spTree>
     <p:extLst>
       <p:ext uri="{BB962C8B-B14F-4D97-AF65-F5344CB8AC3E}">
-        <p14:creationId xmlns:p14="http://schemas.microsoft.com/office/powerpoint/2010/main" val="1517903295"/>
+        <p14:creationId xmlns:p14="http://schemas.microsoft.com/office/powerpoint/2010/main" val="2169979294"/>
       </p:ext>
     </p:extLst>
   </p:cSld>
@@ -4524,8 +4524,8 @@
         </p:nvSpPr>
         <p:spPr>
           <a:xfrm>
-            <a:off x="853438" y="11948160"/>
-            <a:ext cx="8886800" cy="1410548"/>
+            <a:off x="1439966" y="22679501"/>
+            <a:ext cx="14994270" cy="2677444"/>
           </a:xfrm>
         </p:spPr>
         <p:txBody>
@@ -4534,7 +4534,7 @@
           </a:bodyPr>
           <a:lstStyle>
             <a:lvl1pPr algn="l">
-              <a:defRPr sz="3360" b="0"/>
+              <a:defRPr sz="5669" b="0"/>
             </a:lvl1pPr>
           </a:lstStyle>
           <a:p>
@@ -4558,8 +4558,8 @@
         </p:nvSpPr>
         <p:spPr>
           <a:xfrm>
-            <a:off x="853438" y="1517227"/>
-            <a:ext cx="8886800" cy="9571565"/>
+            <a:off x="1439966" y="2879937"/>
+            <a:ext cx="14994270" cy="18168347"/>
           </a:xfrm>
         </p:spPr>
         <p:txBody>
@@ -4569,39 +4569,39 @@
           <a:lstStyle>
             <a:lvl1pPr marL="0" indent="0" algn="ctr">
               <a:buNone/>
-              <a:defRPr sz="2240"/>
+              <a:defRPr sz="3780"/>
             </a:lvl1pPr>
-            <a:lvl2pPr marL="640080" indent="0">
-              <a:buNone/>
-              <a:defRPr sz="2240"/>
+            <a:lvl2pPr marL="1079998" indent="0">
+              <a:buNone/>
+              <a:defRPr sz="3780"/>
             </a:lvl2pPr>
-            <a:lvl3pPr marL="1280160" indent="0">
-              <a:buNone/>
-              <a:defRPr sz="2240"/>
+            <a:lvl3pPr marL="2159996" indent="0">
+              <a:buNone/>
+              <a:defRPr sz="3780"/>
             </a:lvl3pPr>
-            <a:lvl4pPr marL="1920240" indent="0">
-              <a:buNone/>
-              <a:defRPr sz="2240"/>
+            <a:lvl4pPr marL="3239994" indent="0">
+              <a:buNone/>
+              <a:defRPr sz="3780"/>
             </a:lvl4pPr>
-            <a:lvl5pPr marL="2560320" indent="0">
-              <a:buNone/>
-              <a:defRPr sz="2240"/>
+            <a:lvl5pPr marL="4319991" indent="0">
+              <a:buNone/>
+              <a:defRPr sz="3780"/>
             </a:lvl5pPr>
-            <a:lvl6pPr marL="3200400" indent="0">
-              <a:buNone/>
-              <a:defRPr sz="2240"/>
+            <a:lvl6pPr marL="5399989" indent="0">
+              <a:buNone/>
+              <a:defRPr sz="3780"/>
             </a:lvl6pPr>
-            <a:lvl7pPr marL="3840480" indent="0">
-              <a:buNone/>
-              <a:defRPr sz="2240"/>
+            <a:lvl7pPr marL="6479987" indent="0">
+              <a:buNone/>
+              <a:defRPr sz="3780"/>
             </a:lvl7pPr>
-            <a:lvl8pPr marL="4480560" indent="0">
-              <a:buNone/>
-              <a:defRPr sz="2240"/>
+            <a:lvl8pPr marL="7559985" indent="0">
+              <a:buNone/>
+              <a:defRPr sz="3780"/>
             </a:lvl8pPr>
-            <a:lvl9pPr marL="5120640" indent="0">
-              <a:buNone/>
-              <a:defRPr sz="2240"/>
+            <a:lvl9pPr marL="8639983" indent="0">
+              <a:buNone/>
+              <a:defRPr sz="3780"/>
             </a:lvl9pPr>
           </a:lstStyle>
           <a:p>
@@ -4625,8 +4625,8 @@
         </p:nvSpPr>
         <p:spPr>
           <a:xfrm>
-            <a:off x="853438" y="13358708"/>
-            <a:ext cx="8886800" cy="1677571"/>
+            <a:off x="1439966" y="25356945"/>
+            <a:ext cx="14994270" cy="3184295"/>
           </a:xfrm>
         </p:spPr>
         <p:txBody>
@@ -4636,39 +4636,39 @@
           <a:lstStyle>
             <a:lvl1pPr marL="0" indent="0">
               <a:buNone/>
-              <a:defRPr sz="1680"/>
+              <a:defRPr sz="2835"/>
             </a:lvl1pPr>
-            <a:lvl2pPr marL="640080" indent="0">
-              <a:buNone/>
-              <a:defRPr sz="1680"/>
+            <a:lvl2pPr marL="1079998" indent="0">
+              <a:buNone/>
+              <a:defRPr sz="2835"/>
             </a:lvl2pPr>
-            <a:lvl3pPr marL="1280160" indent="0">
-              <a:buNone/>
-              <a:defRPr sz="1400"/>
+            <a:lvl3pPr marL="2159996" indent="0">
+              <a:buNone/>
+              <a:defRPr sz="2362"/>
             </a:lvl3pPr>
-            <a:lvl4pPr marL="1920240" indent="0">
-              <a:buNone/>
-              <a:defRPr sz="1260"/>
+            <a:lvl4pPr marL="3239994" indent="0">
+              <a:buNone/>
+              <a:defRPr sz="2126"/>
             </a:lvl4pPr>
-            <a:lvl5pPr marL="2560320" indent="0">
-              <a:buNone/>
-              <a:defRPr sz="1260"/>
+            <a:lvl5pPr marL="4319991" indent="0">
+              <a:buNone/>
+              <a:defRPr sz="2126"/>
             </a:lvl5pPr>
-            <a:lvl6pPr marL="3200400" indent="0">
-              <a:buNone/>
-              <a:defRPr sz="1260"/>
+            <a:lvl6pPr marL="5399989" indent="0">
+              <a:buNone/>
+              <a:defRPr sz="2126"/>
             </a:lvl6pPr>
-            <a:lvl7pPr marL="3840480" indent="0">
-              <a:buNone/>
-              <a:defRPr sz="1260"/>
+            <a:lvl7pPr marL="6479987" indent="0">
+              <a:buNone/>
+              <a:defRPr sz="2126"/>
             </a:lvl7pPr>
-            <a:lvl8pPr marL="4480560" indent="0">
-              <a:buNone/>
-              <a:defRPr sz="1260"/>
+            <a:lvl8pPr marL="7559985" indent="0">
+              <a:buNone/>
+              <a:defRPr sz="2126"/>
             </a:lvl8pPr>
-            <a:lvl9pPr marL="5120640" indent="0">
-              <a:buNone/>
-              <a:defRPr sz="1260"/>
+            <a:lvl9pPr marL="8639983" indent="0">
+              <a:buNone/>
+              <a:defRPr sz="2126"/>
             </a:lvl9pPr>
           </a:lstStyle>
           <a:p>
@@ -4697,7 +4697,7 @@
           <a:p>
             <a:fld id="{4A507BA2-D0CB-42E5-99F8-5739067202B7}" type="datetimeFigureOut">
               <a:rPr lang="ko-KR" altLang="en-US" smtClean="0"/>
-              <a:t>2024-11-08</a:t>
+              <a:t>2024-11-09</a:t>
             </a:fld>
             <a:endParaRPr lang="ko-KR" altLang="en-US"/>
           </a:p>
@@ -4748,7 +4748,7 @@
     </p:spTree>
     <p:extLst>
       <p:ext uri="{BB962C8B-B14F-4D97-AF65-F5344CB8AC3E}">
-        <p14:creationId xmlns:p14="http://schemas.microsoft.com/office/powerpoint/2010/main" val="3154221143"/>
+        <p14:creationId xmlns:p14="http://schemas.microsoft.com/office/powerpoint/2010/main" val="3953140079"/>
       </p:ext>
     </p:extLst>
   </p:cSld>
@@ -4788,8 +4788,8 @@
         </p:nvGrpSpPr>
         <p:grpSpPr>
           <a:xfrm>
-            <a:off x="-11853" y="-21075"/>
-            <a:ext cx="12839844" cy="17110949"/>
+            <a:off x="-19999" y="-40003"/>
+            <a:ext cx="21664052" cy="32479294"/>
             <a:chOff x="-8467" y="-8468"/>
             <a:chExt cx="9171317" cy="6874935"/>
           </a:xfrm>
@@ -5394,8 +5394,8 @@
         </p:nvSpPr>
         <p:spPr>
           <a:xfrm>
-            <a:off x="853439" y="1517227"/>
-            <a:ext cx="8886798" cy="3287324"/>
+            <a:off x="1439967" y="2879937"/>
+            <a:ext cx="14994268" cy="6239863"/>
           </a:xfrm>
           <a:prstGeom prst="rect">
             <a:avLst/>
@@ -5427,8 +5427,8 @@
         </p:nvSpPr>
         <p:spPr>
           <a:xfrm>
-            <a:off x="853438" y="5377470"/>
-            <a:ext cx="8886800" cy="9658813"/>
+            <a:off x="1439966" y="10207290"/>
+            <a:ext cx="14994270" cy="18333958"/>
           </a:xfrm>
           <a:prstGeom prst="rect">
             <a:avLst/>
@@ -5489,8 +5489,8 @@
         </p:nvSpPr>
         <p:spPr>
           <a:xfrm>
-            <a:off x="7567361" y="15036282"/>
-            <a:ext cx="957785" cy="908756"/>
+            <a:off x="12768045" y="28541248"/>
+            <a:ext cx="1616024" cy="1724962"/>
           </a:xfrm>
           <a:prstGeom prst="rect">
             <a:avLst/>
@@ -5500,7 +5500,7 @@
           <a:bodyPr vert="horz" lIns="91440" tIns="45720" rIns="91440" bIns="45720" rtlCol="0" anchor="ctr"/>
           <a:lstStyle>
             <a:lvl1pPr algn="r">
-              <a:defRPr sz="1260">
+              <a:defRPr sz="2126">
                 <a:solidFill>
                   <a:schemeClr val="tx1">
                     <a:tint val="75000"/>
@@ -5512,7 +5512,7 @@
           <a:p>
             <a:fld id="{4A507BA2-D0CB-42E5-99F8-5739067202B7}" type="datetimeFigureOut">
               <a:rPr lang="ko-KR" altLang="en-US" smtClean="0"/>
-              <a:t>2024-11-08</a:t>
+              <a:t>2024-11-09</a:t>
             </a:fld>
             <a:endParaRPr lang="ko-KR" altLang="en-US"/>
           </a:p>
@@ -5530,8 +5530,8 @@
         </p:nvSpPr>
         <p:spPr>
           <a:xfrm>
-            <a:off x="853439" y="15036282"/>
-            <a:ext cx="6472162" cy="908756"/>
+            <a:off x="1439967" y="28541248"/>
+            <a:ext cx="10920169" cy="1724962"/>
           </a:xfrm>
           <a:prstGeom prst="rect">
             <a:avLst/>
@@ -5541,7 +5541,7 @@
           <a:bodyPr vert="horz" lIns="91440" tIns="45720" rIns="91440" bIns="45720" rtlCol="0" anchor="ctr"/>
           <a:lstStyle>
             <a:lvl1pPr algn="l">
-              <a:defRPr sz="1260">
+              <a:defRPr sz="2126">
                 <a:solidFill>
                   <a:schemeClr val="tx1">
                     <a:tint val="75000"/>
@@ -5567,8 +5567,8 @@
         </p:nvSpPr>
         <p:spPr>
           <a:xfrm>
-            <a:off x="9022547" y="15036282"/>
-            <a:ext cx="717693" cy="908756"/>
+            <a:off x="15223309" y="28541248"/>
+            <a:ext cx="1210929" cy="1724962"/>
           </a:xfrm>
           <a:prstGeom prst="rect">
             <a:avLst/>
@@ -5578,7 +5578,7 @@
           <a:bodyPr vert="horz" lIns="91440" tIns="45720" rIns="91440" bIns="45720" rtlCol="0" anchor="ctr"/>
           <a:lstStyle>
             <a:lvl1pPr algn="r">
-              <a:defRPr sz="1260">
+              <a:defRPr sz="2126">
                 <a:solidFill>
                   <a:schemeClr val="accent1"/>
                 </a:solidFill>
@@ -5597,37 +5597,37 @@
     </p:spTree>
     <p:extLst>
       <p:ext uri="{BB962C8B-B14F-4D97-AF65-F5344CB8AC3E}">
-        <p14:creationId xmlns:p14="http://schemas.microsoft.com/office/powerpoint/2010/main" val="3862203531"/>
+        <p14:creationId xmlns:p14="http://schemas.microsoft.com/office/powerpoint/2010/main" val="856713328"/>
       </p:ext>
     </p:extLst>
   </p:cSld>
   <p:clrMap bg1="lt1" tx1="dk1" bg2="lt2" tx2="dk2" accent1="accent1" accent2="accent2" accent3="accent3" accent4="accent4" accent5="accent5" accent6="accent6" hlink="hlink" folHlink="folHlink"/>
   <p:sldLayoutIdLst>
-    <p:sldLayoutId id="2147483903" r:id="rId1"/>
-    <p:sldLayoutId id="2147483904" r:id="rId2"/>
-    <p:sldLayoutId id="2147483905" r:id="rId3"/>
-    <p:sldLayoutId id="2147483906" r:id="rId4"/>
-    <p:sldLayoutId id="2147483907" r:id="rId5"/>
-    <p:sldLayoutId id="2147483908" r:id="rId6"/>
-    <p:sldLayoutId id="2147483909" r:id="rId7"/>
-    <p:sldLayoutId id="2147483910" r:id="rId8"/>
-    <p:sldLayoutId id="2147483911" r:id="rId9"/>
-    <p:sldLayoutId id="2147483912" r:id="rId10"/>
-    <p:sldLayoutId id="2147483913" r:id="rId11"/>
-    <p:sldLayoutId id="2147483914" r:id="rId12"/>
-    <p:sldLayoutId id="2147483915" r:id="rId13"/>
-    <p:sldLayoutId id="2147483916" r:id="rId14"/>
-    <p:sldLayoutId id="2147483917" r:id="rId15"/>
-    <p:sldLayoutId id="2147483918" r:id="rId16"/>
+    <p:sldLayoutId id="2147483920" r:id="rId1"/>
+    <p:sldLayoutId id="2147483921" r:id="rId2"/>
+    <p:sldLayoutId id="2147483922" r:id="rId3"/>
+    <p:sldLayoutId id="2147483923" r:id="rId4"/>
+    <p:sldLayoutId id="2147483924" r:id="rId5"/>
+    <p:sldLayoutId id="2147483925" r:id="rId6"/>
+    <p:sldLayoutId id="2147483926" r:id="rId7"/>
+    <p:sldLayoutId id="2147483927" r:id="rId8"/>
+    <p:sldLayoutId id="2147483928" r:id="rId9"/>
+    <p:sldLayoutId id="2147483929" r:id="rId10"/>
+    <p:sldLayoutId id="2147483930" r:id="rId11"/>
+    <p:sldLayoutId id="2147483931" r:id="rId12"/>
+    <p:sldLayoutId id="2147483932" r:id="rId13"/>
+    <p:sldLayoutId id="2147483933" r:id="rId14"/>
+    <p:sldLayoutId id="2147483934" r:id="rId15"/>
+    <p:sldLayoutId id="2147483935" r:id="rId16"/>
   </p:sldLayoutIdLst>
   <p:txStyles>
     <p:titleStyle>
-      <a:lvl1pPr algn="l" defTabSz="640080" rtl="0" eaLnBrk="1" latinLnBrk="1" hangingPunct="1">
+      <a:lvl1pPr algn="l" defTabSz="1079998" rtl="0" eaLnBrk="1" latinLnBrk="1" hangingPunct="1">
         <a:spcBef>
           <a:spcPct val="0"/>
         </a:spcBef>
         <a:buNone/>
-        <a:defRPr sz="5040" kern="1200">
+        <a:defRPr sz="8504" kern="1200">
           <a:solidFill>
             <a:schemeClr val="accent1"/>
           </a:solidFill>
@@ -5694,9 +5694,9 @@
       </a:lvl9pPr>
     </p:titleStyle>
     <p:bodyStyle>
-      <a:lvl1pPr marL="480060" indent="-480060" algn="l" defTabSz="640080" rtl="0" eaLnBrk="1" latinLnBrk="1" hangingPunct="1">
+      <a:lvl1pPr marL="809998" indent="-809998" algn="l" defTabSz="1079998" rtl="0" eaLnBrk="1" latinLnBrk="1" hangingPunct="1">
         <a:spcBef>
-          <a:spcPts val="1400"/>
+          <a:spcPts val="2362"/>
         </a:spcBef>
         <a:spcAft>
           <a:spcPts val="0"/>
@@ -5707,7 +5707,7 @@
         <a:buSzPct val="80000"/>
         <a:buFont typeface="Wingdings 3" charset="2"/>
         <a:buChar char=""/>
-        <a:defRPr sz="2520" kern="1200">
+        <a:defRPr sz="4252" kern="1200">
           <a:solidFill>
             <a:schemeClr val="tx1">
               <a:lumMod val="75000"/>
@@ -5719,9 +5719,9 @@
           <a:cs typeface="+mn-cs"/>
         </a:defRPr>
       </a:lvl1pPr>
-      <a:lvl2pPr marL="1040130" indent="-400050" algn="l" defTabSz="640080" rtl="0" eaLnBrk="1" latinLnBrk="1" hangingPunct="1">
+      <a:lvl2pPr marL="1754996" indent="-674999" algn="l" defTabSz="1079998" rtl="0" eaLnBrk="1" latinLnBrk="1" hangingPunct="1">
         <a:spcBef>
-          <a:spcPts val="1400"/>
+          <a:spcPts val="2362"/>
         </a:spcBef>
         <a:spcAft>
           <a:spcPts val="0"/>
@@ -5732,7 +5732,7 @@
         <a:buSzPct val="80000"/>
         <a:buFont typeface="Wingdings 3" charset="2"/>
         <a:buChar char=""/>
-        <a:defRPr sz="2240" kern="1200">
+        <a:defRPr sz="3780" kern="1200">
           <a:solidFill>
             <a:schemeClr val="tx1">
               <a:lumMod val="75000"/>
@@ -5744,9 +5744,9 @@
           <a:cs typeface="+mn-cs"/>
         </a:defRPr>
       </a:lvl2pPr>
-      <a:lvl3pPr marL="1600200" indent="-320040" algn="l" defTabSz="640080" rtl="0" eaLnBrk="1" latinLnBrk="1" hangingPunct="1">
+      <a:lvl3pPr marL="2699995" indent="-539999" algn="l" defTabSz="1079998" rtl="0" eaLnBrk="1" latinLnBrk="1" hangingPunct="1">
         <a:spcBef>
-          <a:spcPts val="1400"/>
+          <a:spcPts val="2362"/>
         </a:spcBef>
         <a:spcAft>
           <a:spcPts val="0"/>
@@ -5757,7 +5757,7 @@
         <a:buSzPct val="80000"/>
         <a:buFont typeface="Wingdings 3" charset="2"/>
         <a:buChar char=""/>
-        <a:defRPr sz="1960" kern="1200">
+        <a:defRPr sz="3307" kern="1200">
           <a:solidFill>
             <a:schemeClr val="tx1">
               <a:lumMod val="75000"/>
@@ -5769,9 +5769,9 @@
           <a:cs typeface="+mn-cs"/>
         </a:defRPr>
       </a:lvl3pPr>
-      <a:lvl4pPr marL="2240280" indent="-320040" algn="l" defTabSz="640080" rtl="0" eaLnBrk="1" latinLnBrk="1" hangingPunct="1">
+      <a:lvl4pPr marL="3779992" indent="-539999" algn="l" defTabSz="1079998" rtl="0" eaLnBrk="1" latinLnBrk="1" hangingPunct="1">
         <a:spcBef>
-          <a:spcPts val="1400"/>
+          <a:spcPts val="2362"/>
         </a:spcBef>
         <a:spcAft>
           <a:spcPts val="0"/>
@@ -5782,7 +5782,7 @@
         <a:buSzPct val="80000"/>
         <a:buFont typeface="Wingdings 3" charset="2"/>
         <a:buChar char=""/>
-        <a:defRPr sz="1680" kern="1200">
+        <a:defRPr sz="2835" kern="1200">
           <a:solidFill>
             <a:schemeClr val="tx1">
               <a:lumMod val="75000"/>
@@ -5794,9 +5794,9 @@
           <a:cs typeface="+mn-cs"/>
         </a:defRPr>
       </a:lvl4pPr>
-      <a:lvl5pPr marL="2880360" indent="-320040" algn="l" defTabSz="640080" rtl="0" eaLnBrk="1" latinLnBrk="1" hangingPunct="1">
+      <a:lvl5pPr marL="4859990" indent="-539999" algn="l" defTabSz="1079998" rtl="0" eaLnBrk="1" latinLnBrk="1" hangingPunct="1">
         <a:spcBef>
-          <a:spcPts val="1400"/>
+          <a:spcPts val="2362"/>
         </a:spcBef>
         <a:spcAft>
           <a:spcPts val="0"/>
@@ -5807,7 +5807,7 @@
         <a:buSzPct val="80000"/>
         <a:buFont typeface="Wingdings 3" charset="2"/>
         <a:buChar char=""/>
-        <a:defRPr sz="1680" kern="1200">
+        <a:defRPr sz="2835" kern="1200">
           <a:solidFill>
             <a:schemeClr val="tx1">
               <a:lumMod val="75000"/>
@@ -5819,9 +5819,9 @@
           <a:cs typeface="+mn-cs"/>
         </a:defRPr>
       </a:lvl5pPr>
-      <a:lvl6pPr marL="3520440" indent="-320040" algn="l" defTabSz="640080" rtl="0" eaLnBrk="1" latinLnBrk="1" hangingPunct="1">
+      <a:lvl6pPr marL="5939988" indent="-539999" algn="l" defTabSz="1079998" rtl="0" eaLnBrk="1" latinLnBrk="1" hangingPunct="1">
         <a:spcBef>
-          <a:spcPts val="1400"/>
+          <a:spcPts val="2362"/>
         </a:spcBef>
         <a:spcAft>
           <a:spcPts val="0"/>
@@ -5832,7 +5832,7 @@
         <a:buSzPct val="80000"/>
         <a:buFont typeface="Wingdings 3" charset="2"/>
         <a:buChar char=""/>
-        <a:defRPr sz="1680" kern="1200">
+        <a:defRPr sz="2835" kern="1200">
           <a:solidFill>
             <a:schemeClr val="tx1">
               <a:lumMod val="75000"/>
@@ -5844,9 +5844,9 @@
           <a:cs typeface="+mn-cs"/>
         </a:defRPr>
       </a:lvl6pPr>
-      <a:lvl7pPr marL="4160520" indent="-320040" algn="l" defTabSz="640080" rtl="0" eaLnBrk="1" latinLnBrk="1" hangingPunct="1">
+      <a:lvl7pPr marL="7019986" indent="-539999" algn="l" defTabSz="1079998" rtl="0" eaLnBrk="1" latinLnBrk="1" hangingPunct="1">
         <a:spcBef>
-          <a:spcPts val="1400"/>
+          <a:spcPts val="2362"/>
         </a:spcBef>
         <a:spcAft>
           <a:spcPts val="0"/>
@@ -5857,7 +5857,7 @@
         <a:buSzPct val="80000"/>
         <a:buFont typeface="Wingdings 3" charset="2"/>
         <a:buChar char=""/>
-        <a:defRPr sz="1680" kern="1200">
+        <a:defRPr sz="2835" kern="1200">
           <a:solidFill>
             <a:schemeClr val="tx1">
               <a:lumMod val="75000"/>
@@ -5869,9 +5869,9 @@
           <a:cs typeface="+mn-cs"/>
         </a:defRPr>
       </a:lvl7pPr>
-      <a:lvl8pPr marL="4800600" indent="-320040" algn="l" defTabSz="640080" rtl="0" eaLnBrk="1" latinLnBrk="1" hangingPunct="1">
+      <a:lvl8pPr marL="8099984" indent="-539999" algn="l" defTabSz="1079998" rtl="0" eaLnBrk="1" latinLnBrk="1" hangingPunct="1">
         <a:spcBef>
-          <a:spcPts val="1400"/>
+          <a:spcPts val="2362"/>
         </a:spcBef>
         <a:spcAft>
           <a:spcPts val="0"/>
@@ -5882,7 +5882,7 @@
         <a:buSzPct val="80000"/>
         <a:buFont typeface="Wingdings 3" charset="2"/>
         <a:buChar char=""/>
-        <a:defRPr sz="1680" kern="1200">
+        <a:defRPr sz="2835" kern="1200">
           <a:solidFill>
             <a:schemeClr val="tx1">
               <a:lumMod val="75000"/>
@@ -5894,9 +5894,9 @@
           <a:cs typeface="+mn-cs"/>
         </a:defRPr>
       </a:lvl8pPr>
-      <a:lvl9pPr marL="5440680" indent="-320040" algn="l" defTabSz="640080" rtl="0" eaLnBrk="1" latinLnBrk="1" hangingPunct="1">
+      <a:lvl9pPr marL="9179982" indent="-539999" algn="l" defTabSz="1079998" rtl="0" eaLnBrk="1" latinLnBrk="1" hangingPunct="1">
         <a:spcBef>
-          <a:spcPts val="1400"/>
+          <a:spcPts val="2362"/>
         </a:spcBef>
         <a:spcAft>
           <a:spcPts val="0"/>
@@ -5907,7 +5907,7 @@
         <a:buSzPct val="80000"/>
         <a:buFont typeface="Wingdings 3" charset="2"/>
         <a:buChar char=""/>
-        <a:defRPr sz="1680" kern="1200">
+        <a:defRPr sz="2835" kern="1200">
           <a:solidFill>
             <a:schemeClr val="tx1">
               <a:lumMod val="75000"/>
@@ -5924,8 +5924,8 @@
       <a:defPPr>
         <a:defRPr lang="en-US"/>
       </a:defPPr>
-      <a:lvl1pPr marL="0" algn="l" defTabSz="640080" rtl="0" eaLnBrk="1" latinLnBrk="1" hangingPunct="1">
-        <a:defRPr sz="2520" kern="1200">
+      <a:lvl1pPr marL="0" algn="l" defTabSz="1079998" rtl="0" eaLnBrk="1" latinLnBrk="1" hangingPunct="1">
+        <a:defRPr sz="4252" kern="1200">
           <a:solidFill>
             <a:schemeClr val="tx1"/>
           </a:solidFill>
@@ -5934,8 +5934,8 @@
           <a:cs typeface="+mn-cs"/>
         </a:defRPr>
       </a:lvl1pPr>
-      <a:lvl2pPr marL="640080" algn="l" defTabSz="640080" rtl="0" eaLnBrk="1" latinLnBrk="1" hangingPunct="1">
-        <a:defRPr sz="2520" kern="1200">
+      <a:lvl2pPr marL="1079998" algn="l" defTabSz="1079998" rtl="0" eaLnBrk="1" latinLnBrk="1" hangingPunct="1">
+        <a:defRPr sz="4252" kern="1200">
           <a:solidFill>
             <a:schemeClr val="tx1"/>
           </a:solidFill>
@@ -5944,8 +5944,8 @@
           <a:cs typeface="+mn-cs"/>
         </a:defRPr>
       </a:lvl2pPr>
-      <a:lvl3pPr marL="1280160" algn="l" defTabSz="640080" rtl="0" eaLnBrk="1" latinLnBrk="1" hangingPunct="1">
-        <a:defRPr sz="2520" kern="1200">
+      <a:lvl3pPr marL="2159996" algn="l" defTabSz="1079998" rtl="0" eaLnBrk="1" latinLnBrk="1" hangingPunct="1">
+        <a:defRPr sz="4252" kern="1200">
           <a:solidFill>
             <a:schemeClr val="tx1"/>
           </a:solidFill>
@@ -5954,8 +5954,8 @@
           <a:cs typeface="+mn-cs"/>
         </a:defRPr>
       </a:lvl3pPr>
-      <a:lvl4pPr marL="1920240" algn="l" defTabSz="640080" rtl="0" eaLnBrk="1" latinLnBrk="1" hangingPunct="1">
-        <a:defRPr sz="2520" kern="1200">
+      <a:lvl4pPr marL="3239994" algn="l" defTabSz="1079998" rtl="0" eaLnBrk="1" latinLnBrk="1" hangingPunct="1">
+        <a:defRPr sz="4252" kern="1200">
           <a:solidFill>
             <a:schemeClr val="tx1"/>
           </a:solidFill>
@@ -5964,8 +5964,8 @@
           <a:cs typeface="+mn-cs"/>
         </a:defRPr>
       </a:lvl4pPr>
-      <a:lvl5pPr marL="2560320" algn="l" defTabSz="640080" rtl="0" eaLnBrk="1" latinLnBrk="1" hangingPunct="1">
-        <a:defRPr sz="2520" kern="1200">
+      <a:lvl5pPr marL="4319991" algn="l" defTabSz="1079998" rtl="0" eaLnBrk="1" latinLnBrk="1" hangingPunct="1">
+        <a:defRPr sz="4252" kern="1200">
           <a:solidFill>
             <a:schemeClr val="tx1"/>
           </a:solidFill>
@@ -5974,8 +5974,8 @@
           <a:cs typeface="+mn-cs"/>
         </a:defRPr>
       </a:lvl5pPr>
-      <a:lvl6pPr marL="3200400" algn="l" defTabSz="640080" rtl="0" eaLnBrk="1" latinLnBrk="1" hangingPunct="1">
-        <a:defRPr sz="2520" kern="1200">
+      <a:lvl6pPr marL="5399989" algn="l" defTabSz="1079998" rtl="0" eaLnBrk="1" latinLnBrk="1" hangingPunct="1">
+        <a:defRPr sz="4252" kern="1200">
           <a:solidFill>
             <a:schemeClr val="tx1"/>
           </a:solidFill>
@@ -5984,8 +5984,8 @@
           <a:cs typeface="+mn-cs"/>
         </a:defRPr>
       </a:lvl6pPr>
-      <a:lvl7pPr marL="3840480" algn="l" defTabSz="640080" rtl="0" eaLnBrk="1" latinLnBrk="1" hangingPunct="1">
-        <a:defRPr sz="2520" kern="1200">
+      <a:lvl7pPr marL="6479987" algn="l" defTabSz="1079998" rtl="0" eaLnBrk="1" latinLnBrk="1" hangingPunct="1">
+        <a:defRPr sz="4252" kern="1200">
           <a:solidFill>
             <a:schemeClr val="tx1"/>
           </a:solidFill>
@@ -5994,8 +5994,8 @@
           <a:cs typeface="+mn-cs"/>
         </a:defRPr>
       </a:lvl7pPr>
-      <a:lvl8pPr marL="4480560" algn="l" defTabSz="640080" rtl="0" eaLnBrk="1" latinLnBrk="1" hangingPunct="1">
-        <a:defRPr sz="2520" kern="1200">
+      <a:lvl8pPr marL="7559985" algn="l" defTabSz="1079998" rtl="0" eaLnBrk="1" latinLnBrk="1" hangingPunct="1">
+        <a:defRPr sz="4252" kern="1200">
           <a:solidFill>
             <a:schemeClr val="tx1"/>
           </a:solidFill>
@@ -6004,8 +6004,8 @@
           <a:cs typeface="+mn-cs"/>
         </a:defRPr>
       </a:lvl8pPr>
-      <a:lvl9pPr marL="5120640" algn="l" defTabSz="640080" rtl="0" eaLnBrk="1" latinLnBrk="1" hangingPunct="1">
-        <a:defRPr sz="2520" kern="1200">
+      <a:lvl9pPr marL="8639983" algn="l" defTabSz="1079998" rtl="0" eaLnBrk="1" latinLnBrk="1" hangingPunct="1">
+        <a:defRPr sz="4252" kern="1200">
           <a:solidFill>
             <a:schemeClr val="tx1"/>
           </a:solidFill>
@@ -6062,8 +6062,8 @@
         </p:nvSpPr>
         <p:spPr>
           <a:xfrm>
-            <a:off x="537752" y="1008456"/>
-            <a:ext cx="11726095" cy="1955272"/>
+            <a:off x="907324" y="3501480"/>
+            <a:ext cx="19784877" cy="3299037"/>
           </a:xfrm>
         </p:spPr>
         <p:txBody>
@@ -6074,7 +6074,7 @@
           <a:p>
             <a:pPr algn="ctr"/>
             <a:r>
-              <a:rPr lang="ko-KR" altLang="en-US" sz="6000" dirty="0">
+              <a:rPr lang="ko-KR" altLang="en-US" sz="10124" dirty="0">
                 <a:solidFill>
                   <a:schemeClr val="tx1"/>
                 </a:solidFill>
@@ -6082,14 +6082,14 @@
               <a:t>봉담읍 온라인 마을안전지도 및</a:t>
             </a:r>
             <a:br>
-              <a:rPr lang="en-US" altLang="ko-KR" sz="6000" dirty="0">
+              <a:rPr lang="en-US" altLang="ko-KR" sz="10124" dirty="0">
                 <a:solidFill>
                   <a:schemeClr val="tx1"/>
                 </a:solidFill>
               </a:rPr>
             </a:br>
             <a:r>
-              <a:rPr lang="ko-KR" altLang="en-US" sz="6000" dirty="0">
+              <a:rPr lang="ko-KR" altLang="en-US" sz="10124" dirty="0">
                 <a:solidFill>
                   <a:schemeClr val="tx1"/>
                 </a:solidFill>
@@ -6097,7 +6097,7 @@
               <a:t>무인 </a:t>
             </a:r>
             <a:r>
-              <a:rPr lang="ko-KR" altLang="en-US" sz="6000" dirty="0" err="1">
+              <a:rPr lang="ko-KR" altLang="en-US" sz="10124" dirty="0" err="1">
                 <a:solidFill>
                   <a:schemeClr val="tx1"/>
                 </a:solidFill>
@@ -6105,7 +6105,7 @@
               <a:t>택배함</a:t>
             </a:r>
             <a:r>
-              <a:rPr lang="ko-KR" altLang="en-US" sz="6000" dirty="0">
+              <a:rPr lang="ko-KR" altLang="en-US" sz="10124" dirty="0">
                 <a:solidFill>
                   <a:schemeClr val="tx1"/>
                 </a:solidFill>
@@ -6133,8 +6133,8 @@
         </p:nvSpPr>
         <p:spPr>
           <a:xfrm>
-            <a:off x="1516954" y="5515743"/>
-            <a:ext cx="9859883" cy="2155456"/>
+            <a:off x="2559484" y="11106409"/>
+            <a:ext cx="16636107" cy="3636797"/>
           </a:xfrm>
           <a:solidFill>
             <a:schemeClr val="bg1">
@@ -6153,16 +6153,20 @@
           <a:p>
             <a:pPr algn="l"/>
             <a:r>
-              <a:rPr lang="ko-KR" altLang="en-US" sz="2400" dirty="0">
-                <a:effectLst/>
+              <a:rPr lang="ko-KR" altLang="en-US" sz="4050" dirty="0">
+                <a:solidFill>
+                  <a:schemeClr val="tx1"/>
+                </a:solidFill>
                 <a:latin typeface="+mj-ea"/>
                 <a:ea typeface="+mj-ea"/>
               </a:rPr>
               <a:t>봉담읍의 안전시설물을 웹사이트를 통해 조회할 수 있습니다</a:t>
             </a:r>
             <a:r>
-              <a:rPr lang="en-US" altLang="ko-KR" sz="2400" dirty="0">
-                <a:effectLst/>
+              <a:rPr lang="en-US" altLang="ko-KR" sz="4050" dirty="0">
+                <a:solidFill>
+                  <a:schemeClr val="tx1"/>
+                </a:solidFill>
                 <a:latin typeface="+mj-ea"/>
                 <a:ea typeface="+mj-ea"/>
               </a:rPr>
@@ -6172,56 +6176,80 @@
           <a:p>
             <a:pPr algn="l"/>
             <a:r>
-              <a:rPr lang="ko-KR" altLang="en-US" sz="2400" dirty="0">
+              <a:rPr lang="ko-KR" altLang="en-US" sz="4050" dirty="0">
+                <a:solidFill>
+                  <a:schemeClr val="tx1"/>
+                </a:solidFill>
                 <a:latin typeface="+mj-ea"/>
                 <a:ea typeface="+mj-ea"/>
               </a:rPr>
               <a:t>사용자는 관리자에게</a:t>
             </a:r>
             <a:r>
-              <a:rPr lang="en-US" altLang="ko-KR" sz="2400" dirty="0">
+              <a:rPr lang="en-US" altLang="ko-KR" sz="4050" dirty="0">
+                <a:solidFill>
+                  <a:schemeClr val="tx1"/>
+                </a:solidFill>
                 <a:latin typeface="+mj-ea"/>
                 <a:ea typeface="+mj-ea"/>
               </a:rPr>
               <a:t>, </a:t>
             </a:r>
             <a:r>
-              <a:rPr lang="ko-KR" altLang="en-US" sz="2400" dirty="0">
+              <a:rPr lang="ko-KR" altLang="en-US" sz="4050" dirty="0">
+                <a:solidFill>
+                  <a:schemeClr val="tx1"/>
+                </a:solidFill>
                 <a:latin typeface="+mj-ea"/>
                 <a:ea typeface="+mj-ea"/>
               </a:rPr>
               <a:t>정보수정요청</a:t>
             </a:r>
             <a:r>
-              <a:rPr lang="en-US" altLang="ko-KR" sz="2400" dirty="0">
+              <a:rPr lang="en-US" altLang="ko-KR" sz="4050" dirty="0">
+                <a:solidFill>
+                  <a:schemeClr val="tx1"/>
+                </a:solidFill>
                 <a:latin typeface="+mj-ea"/>
                 <a:ea typeface="+mj-ea"/>
               </a:rPr>
               <a:t> </a:t>
             </a:r>
             <a:r>
-              <a:rPr lang="ko-KR" altLang="en-US" sz="2400" dirty="0">
+              <a:rPr lang="ko-KR" altLang="en-US" sz="4050" dirty="0">
+                <a:solidFill>
+                  <a:schemeClr val="tx1"/>
+                </a:solidFill>
                 <a:latin typeface="+mj-ea"/>
                 <a:ea typeface="+mj-ea"/>
               </a:rPr>
               <a:t>등</a:t>
             </a:r>
             <a:r>
-              <a:rPr lang="en-US" altLang="ko-KR" sz="2400" dirty="0">
+              <a:rPr lang="en-US" altLang="ko-KR" sz="4050" dirty="0">
+                <a:solidFill>
+                  <a:schemeClr val="tx1"/>
+                </a:solidFill>
                 <a:latin typeface="+mj-ea"/>
                 <a:ea typeface="+mj-ea"/>
               </a:rPr>
               <a:t>, </a:t>
             </a:r>
             <a:r>
-              <a:rPr lang="ko-KR" altLang="en-US" sz="2400" dirty="0">
+              <a:rPr lang="ko-KR" altLang="en-US" sz="4050" dirty="0">
+                <a:solidFill>
+                  <a:schemeClr val="tx1"/>
+                </a:solidFill>
                 <a:latin typeface="+mj-ea"/>
                 <a:ea typeface="+mj-ea"/>
               </a:rPr>
               <a:t>각종 요청을 보낼 수 있습니다</a:t>
             </a:r>
             <a:r>
-              <a:rPr lang="en-US" altLang="ko-KR" sz="2400" dirty="0">
+              <a:rPr lang="en-US" altLang="ko-KR" sz="4050" dirty="0">
+                <a:solidFill>
+                  <a:schemeClr val="tx1"/>
+                </a:solidFill>
                 <a:latin typeface="+mj-ea"/>
                 <a:ea typeface="+mj-ea"/>
               </a:rPr>
@@ -6231,28 +6259,40 @@
           <a:p>
             <a:pPr algn="l"/>
             <a:r>
-              <a:rPr lang="ko-KR" altLang="en-US" sz="2400" dirty="0">
+              <a:rPr lang="ko-KR" altLang="en-US" sz="4050" dirty="0">
+                <a:solidFill>
+                  <a:schemeClr val="tx1"/>
+                </a:solidFill>
                 <a:latin typeface="+mj-ea"/>
                 <a:ea typeface="+mj-ea"/>
               </a:rPr>
               <a:t>행정과 관련된 단체에</a:t>
             </a:r>
             <a:r>
-              <a:rPr lang="en-US" altLang="ko-KR" sz="2400" dirty="0">
+              <a:rPr lang="en-US" altLang="ko-KR" sz="4050" dirty="0">
+                <a:solidFill>
+                  <a:schemeClr val="tx1"/>
+                </a:solidFill>
                 <a:latin typeface="+mj-ea"/>
                 <a:ea typeface="+mj-ea"/>
               </a:rPr>
               <a:t>, </a:t>
             </a:r>
             <a:r>
-              <a:rPr lang="ko-KR" altLang="en-US" sz="2400" dirty="0">
+              <a:rPr lang="ko-KR" altLang="en-US" sz="4050" dirty="0">
+                <a:solidFill>
+                  <a:schemeClr val="tx1"/>
+                </a:solidFill>
                 <a:latin typeface="+mj-ea"/>
                 <a:ea typeface="+mj-ea"/>
               </a:rPr>
               <a:t>시설물 설치요청을 보낼 수도 있습니다</a:t>
             </a:r>
             <a:r>
-              <a:rPr lang="en-US" altLang="ko-KR" sz="2400" dirty="0">
+              <a:rPr lang="en-US" altLang="ko-KR" sz="4050" dirty="0">
+                <a:solidFill>
+                  <a:schemeClr val="tx1"/>
+                </a:solidFill>
                 <a:latin typeface="+mj-ea"/>
                 <a:ea typeface="+mj-ea"/>
               </a:rPr>
@@ -6262,35 +6302,50 @@
           <a:p>
             <a:pPr algn="l"/>
             <a:r>
-              <a:rPr lang="ko-KR" altLang="en-US" sz="2400" dirty="0">
+              <a:rPr lang="ko-KR" altLang="en-US" sz="4050" dirty="0">
+                <a:solidFill>
+                  <a:schemeClr val="tx1"/>
+                </a:solidFill>
                 <a:latin typeface="+mj-ea"/>
                 <a:ea typeface="+mj-ea"/>
               </a:rPr>
               <a:t>무인 </a:t>
             </a:r>
             <a:r>
-              <a:rPr lang="ko-KR" altLang="en-US" sz="2400" dirty="0" err="1">
+              <a:rPr lang="ko-KR" altLang="en-US" sz="4050" dirty="0" err="1">
+                <a:solidFill>
+                  <a:schemeClr val="tx1"/>
+                </a:solidFill>
                 <a:latin typeface="+mj-ea"/>
                 <a:ea typeface="+mj-ea"/>
               </a:rPr>
               <a:t>택배함은</a:t>
             </a:r>
             <a:r>
-              <a:rPr lang="en-US" altLang="ko-KR" sz="2400" dirty="0">
+              <a:rPr lang="en-US" altLang="ko-KR" sz="4050" dirty="0">
+                <a:solidFill>
+                  <a:schemeClr val="tx1"/>
+                </a:solidFill>
                 <a:latin typeface="+mj-ea"/>
                 <a:ea typeface="+mj-ea"/>
               </a:rPr>
               <a:t>, </a:t>
             </a:r>
             <a:r>
-              <a:rPr lang="ko-KR" altLang="en-US" sz="2400" dirty="0">
+              <a:rPr lang="ko-KR" altLang="en-US" sz="4050" dirty="0">
+                <a:solidFill>
+                  <a:schemeClr val="tx1"/>
+                </a:solidFill>
                 <a:latin typeface="+mj-ea"/>
                 <a:ea typeface="+mj-ea"/>
               </a:rPr>
               <a:t>송장을 촬영해 분석하여 수령자에게 문자를 보냅니다</a:t>
             </a:r>
             <a:r>
-              <a:rPr lang="en-US" altLang="ko-KR" sz="2400" dirty="0">
+              <a:rPr lang="en-US" altLang="ko-KR" sz="4050" dirty="0">
+                <a:solidFill>
+                  <a:schemeClr val="tx1"/>
+                </a:solidFill>
                 <a:latin typeface="+mj-ea"/>
                 <a:ea typeface="+mj-ea"/>
               </a:rPr>
@@ -6327,8 +6382,8 @@
         </p:blipFill>
         <p:spPr>
           <a:xfrm>
-            <a:off x="10206378" y="352130"/>
-            <a:ext cx="2277172" cy="575524"/>
+            <a:off x="17220731" y="2394093"/>
+            <a:ext cx="3842163" cy="971054"/>
           </a:xfrm>
           <a:prstGeom prst="rect">
             <a:avLst/>
@@ -6349,8 +6404,8 @@
         </p:nvSpPr>
         <p:spPr>
           <a:xfrm>
-            <a:off x="1626707" y="4900193"/>
-            <a:ext cx="1491114" cy="584775"/>
+            <a:off x="2744665" y="10067822"/>
+            <a:ext cx="2388795" cy="923201"/>
           </a:xfrm>
           <a:prstGeom prst="rect">
             <a:avLst/>
@@ -6368,7 +6423,7 @@
           <a:lstStyle/>
           <a:p>
             <a:r>
-              <a:rPr lang="en-US" altLang="ko-KR" sz="3200" b="1" dirty="0">
+              <a:rPr lang="en-US" altLang="ko-KR" sz="5399" b="1" dirty="0">
                 <a:solidFill>
                   <a:schemeClr val="bg1"/>
                 </a:solidFill>
@@ -6378,7 +6433,7 @@
               <a:t>1. </a:t>
             </a:r>
             <a:r>
-              <a:rPr lang="ko-KR" altLang="en-US" sz="3200" b="1" dirty="0">
+              <a:rPr lang="ko-KR" altLang="en-US" sz="5399" b="1" dirty="0">
                 <a:solidFill>
                   <a:schemeClr val="bg1"/>
                 </a:solidFill>
@@ -6387,7 +6442,7 @@
               </a:rPr>
               <a:t>요약</a:t>
             </a:r>
-            <a:endParaRPr lang="ko-KR" altLang="en-US" sz="3200" b="1" spc="300" dirty="0">
+            <a:endParaRPr lang="ko-KR" altLang="en-US" sz="5399" b="1" spc="506" dirty="0">
               <a:solidFill>
                 <a:schemeClr val="bg1"/>
               </a:solidFill>
@@ -6413,8 +6468,8 @@
         </p:nvSpPr>
         <p:spPr>
           <a:xfrm>
-            <a:off x="1516954" y="8444184"/>
-            <a:ext cx="9601200" cy="1436343"/>
+            <a:off x="2559483" y="16047427"/>
+            <a:ext cx="16199644" cy="3248250"/>
           </a:xfrm>
           <a:prstGeom prst="rect">
             <a:avLst/>
@@ -6426,7 +6481,7 @@
           </a:solidFill>
         </p:spPr>
         <p:txBody>
-          <a:bodyPr vert="horz" lIns="121920" tIns="60960" rIns="121920" bIns="60960" rtlCol="0">
+          <a:bodyPr vert="horz" lIns="205710" tIns="102855" rIns="205710" bIns="102855" rtlCol="0">
             <a:noAutofit/>
           </a:bodyPr>
           <a:lstStyle>
@@ -6594,131 +6649,131 @@
             </a:lvl9pPr>
           </a:lstStyle>
           <a:p>
-            <a:pPr marL="342900" indent="-342900">
+            <a:pPr marL="578575" indent="-578575">
               <a:buFont typeface="Arial" panose="020B0604020202020204" pitchFamily="34" charset="0"/>
               <a:buChar char="•"/>
             </a:pPr>
             <a:r>
-              <a:rPr lang="ko-KR" altLang="en-US" sz="2400" dirty="0">
+              <a:rPr lang="ko-KR" altLang="en-US" sz="4050" dirty="0">
                 <a:latin typeface="+mj-ea"/>
                 <a:ea typeface="+mj-ea"/>
               </a:rPr>
               <a:t>여성</a:t>
             </a:r>
             <a:r>
-              <a:rPr lang="en-US" altLang="ko-KR" sz="2400" dirty="0">
+              <a:rPr lang="en-US" altLang="ko-KR" sz="4050" dirty="0">
                 <a:latin typeface="+mj-ea"/>
                 <a:ea typeface="+mj-ea"/>
               </a:rPr>
               <a:t>, </a:t>
             </a:r>
             <a:r>
-              <a:rPr lang="ko-KR" altLang="en-US" sz="2400" dirty="0">
+              <a:rPr lang="ko-KR" altLang="en-US" sz="4050" dirty="0">
                 <a:latin typeface="+mj-ea"/>
                 <a:ea typeface="+mj-ea"/>
               </a:rPr>
               <a:t>어린이 및 기타 주민들의 안전정보 획득 기회 제공</a:t>
             </a:r>
-            <a:endParaRPr lang="en-US" altLang="ko-KR" sz="2400" dirty="0">
+            <a:endParaRPr lang="en-US" altLang="ko-KR" sz="4050" dirty="0">
               <a:latin typeface="+mj-ea"/>
               <a:ea typeface="+mj-ea"/>
             </a:endParaRPr>
           </a:p>
           <a:p>
-            <a:pPr marL="342900" indent="-342900">
+            <a:pPr marL="578575" indent="-578575">
               <a:buFont typeface="Arial" panose="020B0604020202020204" pitchFamily="34" charset="0"/>
               <a:buChar char="•"/>
             </a:pPr>
             <a:r>
-              <a:rPr lang="ko-KR" altLang="en-US" sz="2400" dirty="0">
+              <a:rPr lang="ko-KR" altLang="en-US" sz="4050" dirty="0">
                 <a:latin typeface="+mj-ea"/>
                 <a:ea typeface="+mj-ea"/>
               </a:rPr>
               <a:t>지역의 안전시설물 설치에 있어서</a:t>
             </a:r>
             <a:r>
-              <a:rPr lang="en-US" altLang="ko-KR" sz="2400" dirty="0">
+              <a:rPr lang="en-US" altLang="ko-KR" sz="4050" dirty="0">
                 <a:latin typeface="+mj-ea"/>
                 <a:ea typeface="+mj-ea"/>
               </a:rPr>
               <a:t>,</a:t>
             </a:r>
             <a:r>
-              <a:rPr lang="ko-KR" altLang="en-US" sz="2400" dirty="0">
+              <a:rPr lang="ko-KR" altLang="en-US" sz="4050" dirty="0">
                 <a:latin typeface="+mj-ea"/>
                 <a:ea typeface="+mj-ea"/>
               </a:rPr>
               <a:t> 주민의 참여 기회 마련</a:t>
             </a:r>
-            <a:endParaRPr lang="en-US" altLang="ko-KR" sz="2400" dirty="0">
+            <a:endParaRPr lang="en-US" altLang="ko-KR" sz="4050" dirty="0">
               <a:latin typeface="+mj-ea"/>
               <a:ea typeface="+mj-ea"/>
             </a:endParaRPr>
           </a:p>
           <a:p>
-            <a:pPr marL="342900" indent="-342900">
+            <a:pPr marL="578575" indent="-578575">
               <a:buFont typeface="Arial" panose="020B0604020202020204" pitchFamily="34" charset="0"/>
               <a:buChar char="•"/>
             </a:pPr>
             <a:r>
-              <a:rPr lang="ko-KR" altLang="en-US" sz="2400" dirty="0">
+              <a:rPr lang="ko-KR" altLang="en-US" sz="4050" dirty="0">
                 <a:latin typeface="+mj-ea"/>
                 <a:ea typeface="+mj-ea"/>
               </a:rPr>
               <a:t>행정의 안전시설물 설치위치 선정을 위한 정보 제공</a:t>
             </a:r>
-            <a:endParaRPr lang="en-US" altLang="ko-KR" sz="2400" dirty="0">
+            <a:endParaRPr lang="en-US" altLang="ko-KR" sz="4050" dirty="0">
               <a:latin typeface="+mj-ea"/>
               <a:ea typeface="+mj-ea"/>
             </a:endParaRPr>
           </a:p>
           <a:p>
-            <a:pPr marL="342900" indent="-342900">
+            <a:pPr marL="578575" indent="-578575">
               <a:buFont typeface="Arial" panose="020B0604020202020204" pitchFamily="34" charset="0"/>
               <a:buChar char="•"/>
             </a:pPr>
             <a:r>
-              <a:rPr lang="ko-KR" altLang="en-US" sz="2400" dirty="0">
+              <a:rPr lang="ko-KR" altLang="en-US" sz="4050" dirty="0">
                 <a:latin typeface="+mj-ea"/>
                 <a:ea typeface="+mj-ea"/>
               </a:rPr>
               <a:t>무인 </a:t>
             </a:r>
             <a:r>
-              <a:rPr lang="ko-KR" altLang="en-US" sz="2400" dirty="0" err="1">
+              <a:rPr lang="ko-KR" altLang="en-US" sz="4050" dirty="0" err="1">
                 <a:latin typeface="+mj-ea"/>
                 <a:ea typeface="+mj-ea"/>
               </a:rPr>
               <a:t>택배함을</a:t>
             </a:r>
             <a:r>
-              <a:rPr lang="ko-KR" altLang="en-US" sz="2400" dirty="0">
+              <a:rPr lang="ko-KR" altLang="en-US" sz="4050" dirty="0">
                 <a:latin typeface="+mj-ea"/>
                 <a:ea typeface="+mj-ea"/>
               </a:rPr>
               <a:t> 통한 주민들의 택배 안심 수령</a:t>
             </a:r>
-            <a:endParaRPr lang="en-US" altLang="ko-KR" sz="2400" dirty="0">
+            <a:endParaRPr lang="en-US" altLang="ko-KR" sz="4050" dirty="0">
               <a:latin typeface="+mj-ea"/>
               <a:ea typeface="+mj-ea"/>
             </a:endParaRPr>
           </a:p>
           <a:p>
-            <a:pPr marL="342900" indent="-342900">
+            <a:pPr marL="578575" indent="-578575">
               <a:buFont typeface="Arial" panose="020B0604020202020204" pitchFamily="34" charset="0"/>
               <a:buChar char="•"/>
             </a:pPr>
-            <a:endParaRPr lang="en-US" altLang="ko-KR" sz="2400" dirty="0">
+            <a:endParaRPr lang="en-US" altLang="ko-KR" sz="4050" dirty="0">
               <a:latin typeface="+mj-ea"/>
               <a:ea typeface="+mj-ea"/>
             </a:endParaRPr>
           </a:p>
           <a:p>
-            <a:pPr marL="342900" indent="-342900">
+            <a:pPr marL="578575" indent="-578575">
               <a:buFont typeface="Arial" panose="020B0604020202020204" pitchFamily="34" charset="0"/>
               <a:buChar char="•"/>
             </a:pPr>
-            <a:endParaRPr lang="en-US" altLang="ko-KR" sz="2400" dirty="0">
+            <a:endParaRPr lang="en-US" altLang="ko-KR" sz="4050" dirty="0">
               <a:latin typeface="+mj-ea"/>
               <a:ea typeface="+mj-ea"/>
             </a:endParaRPr>
@@ -6739,8 +6794,8 @@
         </p:nvSpPr>
         <p:spPr>
           <a:xfrm>
-            <a:off x="1600201" y="7788600"/>
-            <a:ext cx="1491114" cy="584775"/>
+            <a:off x="2699943" y="14941292"/>
+            <a:ext cx="2388795" cy="923201"/>
           </a:xfrm>
           <a:prstGeom prst="rect">
             <a:avLst/>
@@ -6758,7 +6813,7 @@
           <a:lstStyle/>
           <a:p>
             <a:r>
-              <a:rPr lang="en-US" altLang="ko-KR" sz="3200" b="1" dirty="0">
+              <a:rPr lang="en-US" altLang="ko-KR" sz="5399" b="1" dirty="0">
                 <a:solidFill>
                   <a:schemeClr val="bg1"/>
                 </a:solidFill>
@@ -6768,7 +6823,7 @@
               <a:t>2.</a:t>
             </a:r>
             <a:r>
-              <a:rPr lang="ko-KR" altLang="en-US" sz="3200" b="1" dirty="0">
+              <a:rPr lang="ko-KR" altLang="en-US" sz="5399" b="1" dirty="0">
                 <a:solidFill>
                   <a:schemeClr val="bg1"/>
                 </a:solidFill>
@@ -6777,7 +6832,7 @@
               </a:rPr>
               <a:t> 목적</a:t>
             </a:r>
-            <a:endParaRPr lang="ko-KR" altLang="en-US" sz="3200" b="1" spc="300" dirty="0">
+            <a:endParaRPr lang="ko-KR" altLang="en-US" sz="5399" b="1" spc="506" dirty="0">
               <a:solidFill>
                 <a:schemeClr val="bg1"/>
               </a:solidFill>
@@ -6803,8 +6858,8 @@
         </p:nvSpPr>
         <p:spPr>
           <a:xfrm>
-            <a:off x="1516954" y="11158924"/>
-            <a:ext cx="10470454" cy="2878466"/>
+            <a:off x="2559483" y="20627878"/>
+            <a:ext cx="17666294" cy="4856697"/>
           </a:xfrm>
           <a:prstGeom prst="rect">
             <a:avLst/>
@@ -6816,7 +6871,7 @@
           </a:solidFill>
         </p:spPr>
         <p:txBody>
-          <a:bodyPr vert="horz" lIns="121920" tIns="60960" rIns="121920" bIns="60960" rtlCol="0">
+          <a:bodyPr vert="horz" lIns="205710" tIns="102855" rIns="205710" bIns="102855" rtlCol="0">
             <a:normAutofit/>
           </a:bodyPr>
           <a:lstStyle>
@@ -6984,69 +7039,68 @@
             </a:lvl9pPr>
           </a:lstStyle>
           <a:p>
-            <a:pPr marL="342900" indent="-342900" algn="l">
+            <a:pPr marL="578575" indent="-578575" algn="l">
               <a:buFont typeface="Arial" panose="020B0604020202020204" pitchFamily="34" charset="0"/>
               <a:buChar char="•"/>
             </a:pPr>
             <a:r>
-              <a:rPr lang="ko-KR" altLang="en-US" sz="2400" dirty="0" err="1">
-                <a:effectLst/>
+              <a:rPr lang="ko-KR" altLang="en-US" sz="4050" dirty="0" err="1">
                 <a:latin typeface="+mj-ea"/>
                 <a:ea typeface="+mj-ea"/>
               </a:rPr>
               <a:t>스프링부트를</a:t>
             </a:r>
             <a:r>
-              <a:rPr lang="ko-KR" altLang="en-US" sz="2400" dirty="0">
+              <a:rPr lang="ko-KR" altLang="en-US" sz="4050" dirty="0">
                 <a:latin typeface="+mj-ea"/>
                 <a:ea typeface="+mj-ea"/>
               </a:rPr>
               <a:t> 활용해</a:t>
             </a:r>
             <a:r>
-              <a:rPr lang="en-US" altLang="ko-KR" sz="2400" dirty="0">
+              <a:rPr lang="en-US" altLang="ko-KR" sz="4050" dirty="0">
                 <a:latin typeface="+mj-ea"/>
                 <a:ea typeface="+mj-ea"/>
               </a:rPr>
               <a:t>, DB(</a:t>
             </a:r>
             <a:r>
-              <a:rPr lang="ko-KR" altLang="en-US" sz="2400" dirty="0">
+              <a:rPr lang="ko-KR" altLang="en-US" sz="4050" dirty="0">
                 <a:latin typeface="+mj-ea"/>
                 <a:ea typeface="+mj-ea"/>
               </a:rPr>
               <a:t>오라클</a:t>
             </a:r>
             <a:r>
-              <a:rPr lang="en-US" altLang="ko-KR" sz="2400" dirty="0">
+              <a:rPr lang="en-US" altLang="ko-KR" sz="4050" dirty="0">
                 <a:latin typeface="+mj-ea"/>
                 <a:ea typeface="+mj-ea"/>
               </a:rPr>
               <a:t>)</a:t>
             </a:r>
             <a:r>
-              <a:rPr lang="ko-KR" altLang="en-US" sz="2400" dirty="0">
+              <a:rPr lang="ko-KR" altLang="en-US" sz="4050" dirty="0">
                 <a:latin typeface="+mj-ea"/>
                 <a:ea typeface="+mj-ea"/>
               </a:rPr>
               <a:t>에 데이터를 저장하고</a:t>
             </a:r>
             <a:r>
-              <a:rPr lang="en-US" altLang="ko-KR" sz="2400" dirty="0">
+              <a:rPr lang="en-US" altLang="ko-KR" sz="4050" dirty="0">
                 <a:latin typeface="+mj-ea"/>
                 <a:ea typeface="+mj-ea"/>
               </a:rPr>
               <a:t>, </a:t>
             </a:r>
             <a:r>
-              <a:rPr lang="ko-KR" altLang="en-US" sz="2400" dirty="0">
+              <a:rPr lang="ko-KR" altLang="en-US" sz="4050" dirty="0">
                 <a:latin typeface="+mj-ea"/>
                 <a:ea typeface="+mj-ea"/>
               </a:rPr>
               <a:t>가져오는 기능을 개발했습니다</a:t>
             </a:r>
             <a:r>
-              <a:rPr lang="en-US" altLang="ko-KR" sz="2400" dirty="0">
+              <a:rPr lang="en-US" altLang="ko-KR" sz="4050" dirty="0">
                 <a:latin typeface="+mj-ea"/>
                 <a:ea typeface="+mj-ea"/>
               </a:rPr>
@@ -7054,101 +7108,89 @@
             </a:r>
           </a:p>
           <a:p>
-            <a:pPr marL="342900" indent="-342900" algn="l">
+            <a:pPr marL="578575" indent="-578575" algn="l">
               <a:buFont typeface="Arial" panose="020B0604020202020204" pitchFamily="34" charset="0"/>
               <a:buChar char="•"/>
             </a:pPr>
             <a:r>
-              <a:rPr lang="ko-KR" altLang="en-US" sz="2400" dirty="0" err="1">
-                <a:effectLst/>
+              <a:rPr lang="ko-KR" altLang="en-US" sz="4050" dirty="0" err="1">
                 <a:latin typeface="+mj-ea"/>
                 <a:ea typeface="+mj-ea"/>
               </a:rPr>
               <a:t>프론트엔드</a:t>
             </a:r>
             <a:r>
-              <a:rPr lang="ko-KR" altLang="en-US" sz="2400" dirty="0">
-                <a:effectLst/>
+              <a:rPr lang="ko-KR" altLang="en-US" sz="4050" dirty="0">
                 <a:latin typeface="+mj-ea"/>
                 <a:ea typeface="+mj-ea"/>
               </a:rPr>
               <a:t> 개발은 </a:t>
             </a:r>
             <a:r>
-              <a:rPr lang="en-US" altLang="ko-KR" sz="2400" dirty="0">
-                <a:effectLst/>
+              <a:rPr lang="en-US" altLang="ko-KR" sz="4050" dirty="0">
                 <a:latin typeface="+mj-ea"/>
                 <a:ea typeface="+mj-ea"/>
               </a:rPr>
               <a:t>React</a:t>
             </a:r>
             <a:r>
-              <a:rPr lang="ko-KR" altLang="en-US" sz="2400" dirty="0">
-                <a:effectLst/>
+              <a:rPr lang="ko-KR" altLang="en-US" sz="4050" dirty="0">
                 <a:latin typeface="+mj-ea"/>
                 <a:ea typeface="+mj-ea"/>
               </a:rPr>
               <a:t>를 활용했습니다</a:t>
             </a:r>
             <a:r>
-              <a:rPr lang="en-US" altLang="ko-KR" sz="2400" dirty="0">
-                <a:effectLst/>
+              <a:rPr lang="en-US" altLang="ko-KR" sz="4050" dirty="0">
                 <a:latin typeface="+mj-ea"/>
                 <a:ea typeface="+mj-ea"/>
               </a:rPr>
               <a:t>. </a:t>
             </a:r>
             <a:r>
-              <a:rPr lang="ko-KR" altLang="en-US" sz="2400" dirty="0" err="1">
-                <a:effectLst/>
+              <a:rPr lang="ko-KR" altLang="en-US" sz="4050" dirty="0" err="1">
                 <a:latin typeface="+mj-ea"/>
                 <a:ea typeface="+mj-ea"/>
               </a:rPr>
               <a:t>백엔드</a:t>
             </a:r>
             <a:r>
-              <a:rPr lang="ko-KR" altLang="en-US" sz="2400" dirty="0">
-                <a:effectLst/>
+              <a:rPr lang="ko-KR" altLang="en-US" sz="4050" dirty="0">
                 <a:latin typeface="+mj-ea"/>
                 <a:ea typeface="+mj-ea"/>
               </a:rPr>
               <a:t> 서버에 </a:t>
             </a:r>
             <a:r>
-              <a:rPr lang="en-US" altLang="ko-KR" sz="2400" dirty="0">
-                <a:effectLst/>
+              <a:rPr lang="en-US" altLang="ko-KR" sz="4050" dirty="0">
                 <a:latin typeface="+mj-ea"/>
                 <a:ea typeface="+mj-ea"/>
               </a:rPr>
               <a:t>GET, POST, PATCH, DELETE </a:t>
             </a:r>
             <a:r>
-              <a:rPr lang="ko-KR" altLang="en-US" sz="2400" dirty="0">
-                <a:effectLst/>
+              <a:rPr lang="ko-KR" altLang="en-US" sz="4050" dirty="0">
                 <a:latin typeface="+mj-ea"/>
                 <a:ea typeface="+mj-ea"/>
               </a:rPr>
               <a:t>요청을 보내 </a:t>
             </a:r>
             <a:r>
-              <a:rPr lang="en-US" altLang="ko-KR" sz="2400" dirty="0">
-                <a:effectLst/>
+              <a:rPr lang="en-US" altLang="ko-KR" sz="4050" dirty="0">
                 <a:latin typeface="+mj-ea"/>
                 <a:ea typeface="+mj-ea"/>
               </a:rPr>
               <a:t>DB</a:t>
             </a:r>
             <a:r>
-              <a:rPr lang="ko-KR" altLang="en-US" sz="2400" dirty="0">
-                <a:effectLst/>
+              <a:rPr lang="ko-KR" altLang="en-US" sz="4050" dirty="0">
                 <a:latin typeface="+mj-ea"/>
                 <a:ea typeface="+mj-ea"/>
               </a:rPr>
               <a:t>와 소통합니다</a:t>
             </a:r>
             <a:r>
-              <a:rPr lang="en-US" altLang="ko-KR" sz="2400" dirty="0">
-                <a:effectLst/>
+              <a:rPr lang="en-US" altLang="ko-KR" sz="4050" dirty="0">
                 <a:latin typeface="+mj-ea"/>
                 <a:ea typeface="+mj-ea"/>
               </a:rPr>
@@ -7156,68 +7198,67 @@
             </a:r>
           </a:p>
           <a:p>
-            <a:pPr marL="342900" indent="-342900" algn="l">
+            <a:pPr marL="578575" indent="-578575" algn="l">
               <a:buFont typeface="Arial" panose="020B0604020202020204" pitchFamily="34" charset="0"/>
               <a:buChar char="•"/>
             </a:pPr>
             <a:r>
-              <a:rPr lang="ko-KR" altLang="en-US" sz="2400" dirty="0">
+              <a:rPr lang="ko-KR" altLang="en-US" sz="4050" dirty="0">
                 <a:latin typeface="+mj-ea"/>
                 <a:ea typeface="+mj-ea"/>
               </a:rPr>
               <a:t>하드웨어 개발은 </a:t>
             </a:r>
             <a:r>
-              <a:rPr lang="ko-KR" altLang="en-US" sz="2400" dirty="0" err="1">
+              <a:rPr lang="ko-KR" altLang="en-US" sz="4050" dirty="0" err="1">
                 <a:latin typeface="+mj-ea"/>
                 <a:ea typeface="+mj-ea"/>
               </a:rPr>
               <a:t>아두이노를</a:t>
             </a:r>
             <a:r>
-              <a:rPr lang="ko-KR" altLang="en-US" sz="2400" dirty="0">
+              <a:rPr lang="ko-KR" altLang="en-US" sz="4050" dirty="0">
                 <a:latin typeface="+mj-ea"/>
                 <a:ea typeface="+mj-ea"/>
               </a:rPr>
               <a:t> 활용하였으며</a:t>
             </a:r>
             <a:r>
-              <a:rPr lang="en-US" altLang="ko-KR" sz="2400" dirty="0">
+              <a:rPr lang="en-US" altLang="ko-KR" sz="4050" dirty="0">
                 <a:latin typeface="+mj-ea"/>
                 <a:ea typeface="+mj-ea"/>
               </a:rPr>
               <a:t>, </a:t>
             </a:r>
             <a:r>
-              <a:rPr lang="ko-KR" altLang="en-US" sz="2400" dirty="0">
+              <a:rPr lang="ko-KR" altLang="en-US" sz="4050" dirty="0">
                 <a:latin typeface="+mj-ea"/>
                 <a:ea typeface="+mj-ea"/>
               </a:rPr>
               <a:t>송장 이미지 분석은 </a:t>
             </a:r>
             <a:r>
-              <a:rPr lang="en-US" altLang="ko-KR" sz="2400" dirty="0">
+              <a:rPr lang="en-US" altLang="ko-KR" sz="4050" dirty="0">
                 <a:latin typeface="+mj-ea"/>
                 <a:ea typeface="+mj-ea"/>
               </a:rPr>
               <a:t>Tesseract OCR</a:t>
             </a:r>
             <a:r>
-              <a:rPr lang="ko-KR" altLang="en-US" sz="2400" dirty="0">
+              <a:rPr lang="ko-KR" altLang="en-US" sz="4050" dirty="0">
                 <a:latin typeface="+mj-ea"/>
                 <a:ea typeface="+mj-ea"/>
               </a:rPr>
               <a:t>을 사용하였습니다</a:t>
             </a:r>
             <a:r>
-              <a:rPr lang="en-US" altLang="ko-KR" sz="2400" dirty="0">
+              <a:rPr lang="en-US" altLang="ko-KR" sz="4050" dirty="0">
                 <a:latin typeface="+mj-ea"/>
                 <a:ea typeface="+mj-ea"/>
               </a:rPr>
               <a:t>.</a:t>
             </a:r>
-            <a:endParaRPr lang="ko-KR" altLang="en-US" sz="2400" dirty="0">
-              <a:effectLst/>
+            <a:endParaRPr lang="ko-KR" altLang="en-US" sz="4050" dirty="0">
               <a:latin typeface="+mj-ea"/>
               <a:ea typeface="+mj-ea"/>
             </a:endParaRPr>
@@ -7238,8 +7279,8 @@
         </p:nvSpPr>
         <p:spPr>
           <a:xfrm>
-            <a:off x="1516954" y="10450158"/>
-            <a:ext cx="4118435" cy="584775"/>
+            <a:off x="2559484" y="19432011"/>
+            <a:ext cx="6823215" cy="923201"/>
           </a:xfrm>
           <a:prstGeom prst="rect">
             <a:avLst/>
@@ -7257,7 +7298,7 @@
           <a:lstStyle/>
           <a:p>
             <a:r>
-              <a:rPr lang="en-US" altLang="ko-KR" sz="3200" b="1" dirty="0">
+              <a:rPr lang="en-US" altLang="ko-KR" sz="5399" b="1" dirty="0">
                 <a:solidFill>
                   <a:schemeClr val="bg1"/>
                 </a:solidFill>
@@ -7267,7 +7308,7 @@
               <a:t>3. </a:t>
             </a:r>
             <a:r>
-              <a:rPr lang="ko-KR" altLang="en-US" sz="3200" b="1" spc="300" dirty="0">
+              <a:rPr lang="ko-KR" altLang="en-US" sz="5399" b="1" spc="506" dirty="0">
                 <a:solidFill>
                   <a:schemeClr val="bg1"/>
                 </a:solidFill>
@@ -7293,8 +7334,8 @@
         </p:nvSpPr>
         <p:spPr>
           <a:xfrm>
-            <a:off x="4537897" y="16312735"/>
-            <a:ext cx="3672800" cy="461665"/>
+            <a:off x="7656575" y="29323656"/>
+            <a:ext cx="5961888" cy="715581"/>
           </a:xfrm>
           <a:prstGeom prst="rect">
             <a:avLst/>
@@ -7308,7 +7349,7 @@
           <a:lstStyle/>
           <a:p>
             <a:r>
-              <a:rPr lang="ko-KR" altLang="en-US" sz="2400" b="1" dirty="0">
+              <a:rPr lang="ko-KR" altLang="en-US" sz="4050" b="1" dirty="0">
                 <a:latin typeface="굴림" panose="020B0600000101010101" pitchFamily="50" charset="-127"/>
                 <a:ea typeface="굴림" panose="020B0600000101010101" pitchFamily="50" charset="-127"/>
               </a:rPr>
@@ -7331,8 +7372,8 @@
         </p:nvSpPr>
         <p:spPr>
           <a:xfrm>
-            <a:off x="8796813" y="3010879"/>
-            <a:ext cx="2889971" cy="1569660"/>
+            <a:off x="14842441" y="6880073"/>
+            <a:ext cx="4876109" cy="2585323"/>
           </a:xfrm>
           <a:prstGeom prst="rect">
             <a:avLst/>
@@ -7346,80 +7387,80 @@
           <a:lstStyle/>
           <a:p>
             <a:r>
-              <a:rPr lang="en-US" altLang="ko-KR" sz="2400" dirty="0">
+              <a:rPr lang="en-US" altLang="ko-KR" sz="4050" dirty="0">
                 <a:latin typeface="굴림" panose="020B0600000101010101" pitchFamily="50" charset="-127"/>
                 <a:ea typeface="굴림" panose="020B0600000101010101" pitchFamily="50" charset="-127"/>
               </a:rPr>
               <a:t>23017012 </a:t>
             </a:r>
             <a:r>
-              <a:rPr lang="ko-KR" altLang="en-US" sz="2400" dirty="0">
+              <a:rPr lang="ko-KR" altLang="en-US" sz="4050" dirty="0">
                 <a:latin typeface="굴림" panose="020B0600000101010101" pitchFamily="50" charset="-127"/>
                 <a:ea typeface="굴림" panose="020B0600000101010101" pitchFamily="50" charset="-127"/>
               </a:rPr>
               <a:t>김명규</a:t>
             </a:r>
-            <a:endParaRPr lang="en-US" altLang="ko-KR" sz="2400" dirty="0">
+            <a:endParaRPr lang="en-US" altLang="ko-KR" sz="4050" dirty="0">
               <a:latin typeface="굴림" panose="020B0600000101010101" pitchFamily="50" charset="-127"/>
               <a:ea typeface="굴림" panose="020B0600000101010101" pitchFamily="50" charset="-127"/>
             </a:endParaRPr>
           </a:p>
           <a:p>
             <a:r>
-              <a:rPr lang="en-US" altLang="ko-KR" sz="2400" dirty="0">
+              <a:rPr lang="en-US" altLang="ko-KR" sz="4050" dirty="0">
                 <a:latin typeface="굴림" panose="020B0600000101010101" pitchFamily="50" charset="-127"/>
                 <a:ea typeface="굴림" panose="020B0600000101010101" pitchFamily="50" charset="-127"/>
               </a:rPr>
               <a:t>21018104 </a:t>
             </a:r>
             <a:r>
-              <a:rPr lang="ko-KR" altLang="en-US" sz="2400" dirty="0">
+              <a:rPr lang="ko-KR" altLang="en-US" sz="4050" dirty="0">
                 <a:latin typeface="굴림" panose="020B0600000101010101" pitchFamily="50" charset="-127"/>
                 <a:ea typeface="굴림" panose="020B0600000101010101" pitchFamily="50" charset="-127"/>
               </a:rPr>
               <a:t>박현우</a:t>
             </a:r>
-            <a:endParaRPr lang="en-US" altLang="ko-KR" sz="2400" dirty="0">
+            <a:endParaRPr lang="en-US" altLang="ko-KR" sz="4050" dirty="0">
               <a:latin typeface="굴림" panose="020B0600000101010101" pitchFamily="50" charset="-127"/>
               <a:ea typeface="굴림" panose="020B0600000101010101" pitchFamily="50" charset="-127"/>
             </a:endParaRPr>
           </a:p>
           <a:p>
             <a:r>
-              <a:rPr lang="en-US" altLang="ko-KR" sz="2400" dirty="0">
+              <a:rPr lang="en-US" altLang="ko-KR" sz="4050" dirty="0">
                 <a:latin typeface="굴림" panose="020B0600000101010101" pitchFamily="50" charset="-127"/>
                 <a:ea typeface="굴림" panose="020B0600000101010101" pitchFamily="50" charset="-127"/>
               </a:rPr>
               <a:t>21018058 </a:t>
             </a:r>
             <a:r>
-              <a:rPr lang="ko-KR" altLang="en-US" sz="2400" dirty="0">
+              <a:rPr lang="ko-KR" altLang="en-US" sz="4050" dirty="0">
                 <a:latin typeface="굴림" panose="020B0600000101010101" pitchFamily="50" charset="-127"/>
                 <a:ea typeface="굴림" panose="020B0600000101010101" pitchFamily="50" charset="-127"/>
               </a:rPr>
               <a:t>윤재서</a:t>
             </a:r>
-            <a:endParaRPr lang="en-US" altLang="ko-KR" sz="2400" dirty="0">
+            <a:endParaRPr lang="en-US" altLang="ko-KR" sz="4050" dirty="0">
               <a:latin typeface="굴림" panose="020B0600000101010101" pitchFamily="50" charset="-127"/>
               <a:ea typeface="굴림" panose="020B0600000101010101" pitchFamily="50" charset="-127"/>
             </a:endParaRPr>
           </a:p>
           <a:p>
             <a:r>
-              <a:rPr lang="en-US" altLang="ko-KR" sz="2400" dirty="0">
+              <a:rPr lang="en-US" altLang="ko-KR" sz="4050" dirty="0">
                 <a:latin typeface="굴림" panose="020B0600000101010101" pitchFamily="50" charset="-127"/>
                 <a:ea typeface="굴림" panose="020B0600000101010101" pitchFamily="50" charset="-127"/>
               </a:rPr>
               <a:t>21018087 </a:t>
             </a:r>
             <a:r>
-              <a:rPr lang="ko-KR" altLang="en-US" sz="2400" dirty="0" err="1">
+              <a:rPr lang="ko-KR" altLang="en-US" sz="4050" dirty="0" err="1">
                 <a:latin typeface="굴림" panose="020B0600000101010101" pitchFamily="50" charset="-127"/>
                 <a:ea typeface="굴림" panose="020B0600000101010101" pitchFamily="50" charset="-127"/>
               </a:rPr>
               <a:t>조유란</a:t>
             </a:r>
-            <a:endParaRPr lang="en-US" altLang="ko-KR" sz="2400" dirty="0">
+            <a:endParaRPr lang="en-US" altLang="ko-KR" sz="4050" dirty="0">
               <a:latin typeface="굴림" panose="020B0600000101010101" pitchFamily="50" charset="-127"/>
               <a:ea typeface="굴림" panose="020B0600000101010101" pitchFamily="50" charset="-127"/>
             </a:endParaRPr>
@@ -7440,8 +7481,8 @@
         </p:nvSpPr>
         <p:spPr>
           <a:xfrm>
-            <a:off x="251514" y="167464"/>
-            <a:ext cx="3134191" cy="369332"/>
+            <a:off x="424367" y="2082515"/>
+            <a:ext cx="9143850" cy="937180"/>
           </a:xfrm>
           <a:prstGeom prst="rect">
             <a:avLst/>
@@ -7455,16 +7496,15 @@
           <a:lstStyle/>
           <a:p>
             <a:r>
-              <a:rPr lang="en-US" altLang="ko-KR" b="0" i="0" dirty="0">
+              <a:rPr lang="en-US" altLang="ko-KR" sz="5490" dirty="0">
                 <a:solidFill>
                   <a:srgbClr val="222222"/>
                 </a:solidFill>
-                <a:effectLst/>
                 <a:latin typeface="Arial" panose="020B0604020202020204" pitchFamily="34" charset="0"/>
               </a:rPr>
               <a:t>Major in Information Security</a:t>
             </a:r>
-            <a:endParaRPr lang="ko-KR" altLang="en-US" dirty="0"/>
+            <a:endParaRPr lang="ko-KR" altLang="en-US" sz="5490" dirty="0"/>
           </a:p>
         </p:txBody>
       </p:sp>
@@ -7484,8 +7524,8 @@
         </p:nvSpPr>
         <p:spPr>
           <a:xfrm>
-            <a:off x="999460" y="14918498"/>
-            <a:ext cx="10987947" cy="1313435"/>
+            <a:off x="1686341" y="26971227"/>
+            <a:ext cx="18539435" cy="2216096"/>
           </a:xfrm>
           <a:prstGeom prst="rect">
             <a:avLst/>
@@ -7497,8 +7537,8 @@
           </a:solidFill>
         </p:spPr>
         <p:txBody>
-          <a:bodyPr vert="horz" lIns="121920" tIns="60960" rIns="121920" bIns="60960" rtlCol="0">
-            <a:normAutofit lnSpcReduction="10000"/>
+          <a:bodyPr vert="horz" lIns="205710" tIns="102855" rIns="205710" bIns="102855" rtlCol="0">
+            <a:normAutofit/>
           </a:bodyPr>
           <a:lstStyle>
             <a:lvl1pPr marL="0" indent="0" algn="ctr" defTabSz="960120" rtl="0" eaLnBrk="1" latinLnBrk="1" hangingPunct="1">
@@ -7667,22 +7707,20 @@
           <a:p>
             <a:pPr algn="ctr"/>
             <a:r>
-              <a:rPr lang="ko-KR" altLang="en-US" sz="2400" dirty="0">
+              <a:rPr lang="ko-KR" altLang="en-US" sz="4050" dirty="0">
                 <a:solidFill>
                   <a:srgbClr val="000000"/>
                 </a:solidFill>
-                <a:effectLst/>
                 <a:latin typeface="+mj-ea"/>
                 <a:ea typeface="+mj-ea"/>
               </a:rPr>
               <a:t>봉담읍 주민들은 이 사이트를 통해 안전시설물을 간편하게 찾을 수 있습니다</a:t>
             </a:r>
             <a:r>
-              <a:rPr lang="en-US" altLang="ko-KR" sz="2400" dirty="0">
+              <a:rPr lang="en-US" altLang="ko-KR" sz="4050" dirty="0">
                 <a:solidFill>
                   <a:srgbClr val="000000"/>
                 </a:solidFill>
-                <a:effectLst/>
                 <a:latin typeface="+mj-ea"/>
                 <a:ea typeface="+mj-ea"/>
               </a:rPr>
@@ -7692,107 +7730,87 @@
           <a:p>
             <a:pPr algn="ctr"/>
             <a:r>
-              <a:rPr lang="ko-KR" altLang="en-US" sz="2400" dirty="0" err="1">
+              <a:rPr lang="ko-KR" altLang="en-US" sz="4050" dirty="0" err="1">
                 <a:solidFill>
                   <a:srgbClr val="000000"/>
                 </a:solidFill>
                 <a:latin typeface="+mj-ea"/>
                 <a:ea typeface="+mj-ea"/>
               </a:rPr>
-              <a:t>이</a:t>
-            </a:r>
-            <a:r>
-              <a:rPr lang="ko-KR" altLang="en-US" sz="2400" dirty="0" err="1">
+              <a:t>이뿐만</a:t>
+            </a:r>
+            <a:r>
+              <a:rPr lang="ko-KR" altLang="en-US" sz="4050" dirty="0">
                 <a:solidFill>
                   <a:srgbClr val="000000"/>
                 </a:solidFill>
-                <a:effectLst/>
                 <a:latin typeface="+mj-ea"/>
                 <a:ea typeface="+mj-ea"/>
               </a:rPr>
-              <a:t>뿐만</a:t>
-            </a:r>
-            <a:r>
-              <a:rPr lang="ko-KR" altLang="en-US" sz="2400" dirty="0">
+              <a:t> 아니라</a:t>
+            </a:r>
+            <a:r>
+              <a:rPr lang="en-US" altLang="ko-KR" sz="4050" dirty="0">
                 <a:solidFill>
                   <a:srgbClr val="000000"/>
                 </a:solidFill>
-                <a:effectLst/>
                 <a:latin typeface="+mj-ea"/>
                 <a:ea typeface="+mj-ea"/>
               </a:rPr>
-              <a:t> 아니라</a:t>
-            </a:r>
-            <a:r>
-              <a:rPr lang="en-US" altLang="ko-KR" sz="2400" dirty="0">
+              <a:t>, </a:t>
+            </a:r>
+            <a:r>
+              <a:rPr lang="ko-KR" altLang="en-US" sz="4050" dirty="0">
                 <a:solidFill>
                   <a:srgbClr val="000000"/>
                 </a:solidFill>
-                <a:effectLst/>
                 <a:latin typeface="+mj-ea"/>
                 <a:ea typeface="+mj-ea"/>
               </a:rPr>
-              <a:t>, </a:t>
-            </a:r>
-            <a:r>
-              <a:rPr lang="ko-KR" altLang="en-US" sz="2400" dirty="0">
+              <a:t>행정 관련 단체에 추가 시설물 설치 제안을 하여</a:t>
+            </a:r>
+            <a:r>
+              <a:rPr lang="en-US" altLang="ko-KR" sz="4050" dirty="0">
                 <a:solidFill>
                   <a:srgbClr val="000000"/>
                 </a:solidFill>
-                <a:effectLst/>
                 <a:latin typeface="+mj-ea"/>
                 <a:ea typeface="+mj-ea"/>
               </a:rPr>
-              <a:t>행정 관련 단체에 추가 시설물 설치 제안을 하여</a:t>
-            </a:r>
-            <a:r>
-              <a:rPr lang="en-US" altLang="ko-KR" sz="2400" dirty="0">
-                <a:solidFill>
-                  <a:srgbClr val="000000"/>
-                </a:solidFill>
-                <a:effectLst/>
+              <a:t>,</a:t>
+            </a:r>
+          </a:p>
+          <a:p>
+            <a:pPr algn="ctr"/>
+            <a:r>
+              <a:rPr lang="ko-KR" altLang="en-US" sz="4050" dirty="0">
                 <a:latin typeface="+mj-ea"/>
                 <a:ea typeface="+mj-ea"/>
               </a:rPr>
-              <a:t>,</a:t>
-            </a:r>
-          </a:p>
-          <a:p>
-            <a:pPr algn="ctr"/>
-            <a:r>
-              <a:rPr lang="ko-KR" altLang="en-US" sz="2400" dirty="0">
-                <a:effectLst/>
+              <a:t>시민의 의견을 기반으로 한</a:t>
+            </a:r>
+            <a:r>
+              <a:rPr lang="en-US" altLang="ko-KR" sz="4050" dirty="0">
                 <a:latin typeface="+mj-ea"/>
                 <a:ea typeface="+mj-ea"/>
               </a:rPr>
-              <a:t>시민의 의견을 기반으로 한</a:t>
-            </a:r>
-            <a:r>
-              <a:rPr lang="en-US" altLang="ko-KR" sz="2400" dirty="0">
-                <a:effectLst/>
+              <a:t>,</a:t>
+            </a:r>
+            <a:r>
+              <a:rPr lang="ko-KR" altLang="en-US" sz="4050" dirty="0">
                 <a:latin typeface="+mj-ea"/>
                 <a:ea typeface="+mj-ea"/>
               </a:rPr>
-              <a:t>,</a:t>
-            </a:r>
-            <a:r>
-              <a:rPr lang="ko-KR" altLang="en-US" sz="2400" dirty="0">
-                <a:effectLst/>
+              <a:t> 지역 방범 및 안전 강화에도 기여할 수 있습니다</a:t>
+            </a:r>
+            <a:r>
+              <a:rPr lang="en-US" altLang="ko-KR" sz="4050" dirty="0">
                 <a:latin typeface="+mj-ea"/>
                 <a:ea typeface="+mj-ea"/>
               </a:rPr>
-              <a:t> 지역 방범 및 안전 강화에도 기여할 수 있습니다</a:t>
-            </a:r>
-            <a:r>
-              <a:rPr lang="en-US" altLang="ko-KR" sz="2400" dirty="0">
-                <a:effectLst/>
-                <a:latin typeface="+mj-ea"/>
-                <a:ea typeface="+mj-ea"/>
-              </a:rPr>
               <a:t>.</a:t>
             </a:r>
-            <a:endParaRPr lang="ko-KR" altLang="en-US" sz="2400" dirty="0">
-              <a:effectLst/>
+            <a:endParaRPr lang="ko-KR" altLang="en-US" sz="4050" dirty="0">
               <a:latin typeface="+mj-ea"/>
               <a:ea typeface="+mj-ea"/>
             </a:endParaRPr>
@@ -7813,8 +7831,8 @@
         </p:nvSpPr>
         <p:spPr>
           <a:xfrm>
-            <a:off x="1600202" y="14118192"/>
-            <a:ext cx="1510350" cy="584775"/>
+            <a:off x="2699944" y="25620909"/>
+            <a:ext cx="2422330" cy="923201"/>
           </a:xfrm>
           <a:prstGeom prst="rect">
             <a:avLst/>
@@ -7832,7 +7850,7 @@
           <a:lstStyle/>
           <a:p>
             <a:r>
-              <a:rPr lang="en-US" altLang="ko-KR" sz="3200" b="1" spc="300" dirty="0">
+              <a:rPr lang="en-US" altLang="ko-KR" sz="5399" b="1" spc="506" dirty="0">
                 <a:solidFill>
                   <a:schemeClr val="bg1"/>
                 </a:solidFill>
@@ -7842,7 +7860,7 @@
               <a:t>4.</a:t>
             </a:r>
             <a:r>
-              <a:rPr lang="ko-KR" altLang="en-US" sz="3200" b="1" spc="300" dirty="0">
+              <a:rPr lang="ko-KR" altLang="en-US" sz="5399" b="1" spc="506" dirty="0">
                 <a:solidFill>
                   <a:schemeClr val="bg1"/>
                 </a:solidFill>
